--- a/サイト設計図.pptx
+++ b/サイト設計図.pptx
@@ -5,14 +5,15 @@
     <p:sldMasterId id="2147483648" r:id="rId1"/>
   </p:sldMasterIdLst>
   <p:sldIdLst>
-    <p:sldId id="257" r:id="rId2"/>
-    <p:sldId id="256" r:id="rId3"/>
-    <p:sldId id="261" r:id="rId4"/>
-    <p:sldId id="259" r:id="rId5"/>
-    <p:sldId id="263" r:id="rId6"/>
-    <p:sldId id="258" r:id="rId7"/>
-    <p:sldId id="260" r:id="rId8"/>
-    <p:sldId id="262" r:id="rId9"/>
+    <p:sldId id="265" r:id="rId2"/>
+    <p:sldId id="257" r:id="rId3"/>
+    <p:sldId id="266" r:id="rId4"/>
+    <p:sldId id="256" r:id="rId5"/>
+    <p:sldId id="261" r:id="rId6"/>
+    <p:sldId id="259" r:id="rId7"/>
+    <p:sldId id="258" r:id="rId8"/>
+    <p:sldId id="260" r:id="rId9"/>
+    <p:sldId id="262" r:id="rId10"/>
   </p:sldIdLst>
   <p:sldSz cx="12192000" cy="6858000"/>
   <p:notesSz cx="6858000" cy="9144000"/>
@@ -114,7 +115,7 @@
   <p:extLst>
     <p:ext uri="{EFAFB233-063F-42B5-8137-9DF3F51BA10A}">
       <p15:sldGuideLst xmlns:p15="http://schemas.microsoft.com/office/powerpoint/2012/main">
-        <p15:guide id="1" orient="horz" pos="2160" userDrawn="1">
+        <p15:guide id="1" orient="horz" pos="2183" userDrawn="1">
           <p15:clr>
             <a:srgbClr val="A4A3A4"/>
           </p15:clr>
@@ -277,7 +278,7 @@
           <a:p>
             <a:fld id="{6BCE9983-8F5B-4573-8884-BED7ADFC086C}" type="datetimeFigureOut">
               <a:rPr kumimoji="1" lang="ja-JP" altLang="en-US" smtClean="0"/>
-              <a:t>2018/11/16</a:t>
+              <a:t>2018/11/30</a:t>
             </a:fld>
             <a:endParaRPr kumimoji="1" lang="ja-JP" altLang="en-US"/>
           </a:p>
@@ -507,7 +508,7 @@
           <a:p>
             <a:fld id="{6BCE9983-8F5B-4573-8884-BED7ADFC086C}" type="datetimeFigureOut">
               <a:rPr kumimoji="1" lang="ja-JP" altLang="en-US" smtClean="0"/>
-              <a:t>2018/11/16</a:t>
+              <a:t>2018/11/30</a:t>
             </a:fld>
             <a:endParaRPr kumimoji="1" lang="ja-JP" altLang="en-US"/>
           </a:p>
@@ -747,7 +748,7 @@
           <a:p>
             <a:fld id="{6BCE9983-8F5B-4573-8884-BED7ADFC086C}" type="datetimeFigureOut">
               <a:rPr kumimoji="1" lang="ja-JP" altLang="en-US" smtClean="0"/>
-              <a:t>2018/11/16</a:t>
+              <a:t>2018/11/30</a:t>
             </a:fld>
             <a:endParaRPr kumimoji="1" lang="ja-JP" altLang="en-US"/>
           </a:p>
@@ -977,7 +978,7 @@
           <a:p>
             <a:fld id="{6BCE9983-8F5B-4573-8884-BED7ADFC086C}" type="datetimeFigureOut">
               <a:rPr kumimoji="1" lang="ja-JP" altLang="en-US" smtClean="0"/>
-              <a:t>2018/11/16</a:t>
+              <a:t>2018/11/30</a:t>
             </a:fld>
             <a:endParaRPr kumimoji="1" lang="ja-JP" altLang="en-US"/>
           </a:p>
@@ -1252,7 +1253,7 @@
           <a:p>
             <a:fld id="{6BCE9983-8F5B-4573-8884-BED7ADFC086C}" type="datetimeFigureOut">
               <a:rPr kumimoji="1" lang="ja-JP" altLang="en-US" smtClean="0"/>
-              <a:t>2018/11/16</a:t>
+              <a:t>2018/11/30</a:t>
             </a:fld>
             <a:endParaRPr kumimoji="1" lang="ja-JP" altLang="en-US"/>
           </a:p>
@@ -1581,7 +1582,7 @@
           <a:p>
             <a:fld id="{6BCE9983-8F5B-4573-8884-BED7ADFC086C}" type="datetimeFigureOut">
               <a:rPr kumimoji="1" lang="ja-JP" altLang="en-US" smtClean="0"/>
-              <a:t>2018/11/16</a:t>
+              <a:t>2018/11/30</a:t>
             </a:fld>
             <a:endParaRPr kumimoji="1" lang="ja-JP" altLang="en-US"/>
           </a:p>
@@ -2057,7 +2058,7 @@
           <a:p>
             <a:fld id="{6BCE9983-8F5B-4573-8884-BED7ADFC086C}" type="datetimeFigureOut">
               <a:rPr kumimoji="1" lang="ja-JP" altLang="en-US" smtClean="0"/>
-              <a:t>2018/11/16</a:t>
+              <a:t>2018/11/30</a:t>
             </a:fld>
             <a:endParaRPr kumimoji="1" lang="ja-JP" altLang="en-US"/>
           </a:p>
@@ -2198,7 +2199,7 @@
           <a:p>
             <a:fld id="{6BCE9983-8F5B-4573-8884-BED7ADFC086C}" type="datetimeFigureOut">
               <a:rPr kumimoji="1" lang="ja-JP" altLang="en-US" smtClean="0"/>
-              <a:t>2018/11/16</a:t>
+              <a:t>2018/11/30</a:t>
             </a:fld>
             <a:endParaRPr kumimoji="1" lang="ja-JP" altLang="en-US"/>
           </a:p>
@@ -2311,7 +2312,7 @@
           <a:p>
             <a:fld id="{6BCE9983-8F5B-4573-8884-BED7ADFC086C}" type="datetimeFigureOut">
               <a:rPr kumimoji="1" lang="ja-JP" altLang="en-US" smtClean="0"/>
-              <a:t>2018/11/16</a:t>
+              <a:t>2018/11/30</a:t>
             </a:fld>
             <a:endParaRPr kumimoji="1" lang="ja-JP" altLang="en-US"/>
           </a:p>
@@ -2654,7 +2655,7 @@
           <a:p>
             <a:fld id="{6BCE9983-8F5B-4573-8884-BED7ADFC086C}" type="datetimeFigureOut">
               <a:rPr kumimoji="1" lang="ja-JP" altLang="en-US" smtClean="0"/>
-              <a:t>2018/11/16</a:t>
+              <a:t>2018/11/30</a:t>
             </a:fld>
             <a:endParaRPr kumimoji="1" lang="ja-JP" altLang="en-US"/>
           </a:p>
@@ -2942,7 +2943,7 @@
           <a:p>
             <a:fld id="{6BCE9983-8F5B-4573-8884-BED7ADFC086C}" type="datetimeFigureOut">
               <a:rPr kumimoji="1" lang="ja-JP" altLang="en-US" smtClean="0"/>
-              <a:t>2018/11/16</a:t>
+              <a:t>2018/11/30</a:t>
             </a:fld>
             <a:endParaRPr kumimoji="1" lang="ja-JP" altLang="en-US"/>
           </a:p>
@@ -3215,7 +3216,7 @@
           <a:p>
             <a:fld id="{6BCE9983-8F5B-4573-8884-BED7ADFC086C}" type="datetimeFigureOut">
               <a:rPr kumimoji="1" lang="ja-JP" altLang="en-US" smtClean="0"/>
-              <a:t>2018/11/16</a:t>
+              <a:t>2018/11/30</a:t>
             </a:fld>
             <a:endParaRPr kumimoji="1" lang="ja-JP" altLang="en-US"/>
           </a:p>
@@ -3647,7 +3648,7 @@
         <p:spPr>
           <a:xfrm>
             <a:off x="0" y="0"/>
-            <a:ext cx="5746376" cy="833718"/>
+            <a:ext cx="12192000" cy="6858000"/>
           </a:xfrm>
           <a:prstGeom prst="rect">
             <a:avLst/>
@@ -3679,578 +3680,51 @@
           <a:bodyPr rtlCol="0" anchor="t"/>
           <a:lstStyle/>
           <a:p>
-            <a:pPr algn="ctr"/>
             <a:r>
               <a:rPr kumimoji="1" lang="ja-JP" altLang="en-US" sz="4800" dirty="0"/>
-              <a:t>サイトマップ</a:t>
-            </a:r>
-          </a:p>
-        </p:txBody>
-      </p:sp>
-      <p:sp>
-        <p:nvSpPr>
-          <p:cNvPr id="5" name="正方形/長方形 4">
-            <a:extLst>
-              <a:ext uri="{FF2B5EF4-FFF2-40B4-BE49-F238E27FC236}">
-                <a16:creationId xmlns:a16="http://schemas.microsoft.com/office/drawing/2014/main" id="{3BA68C7B-4D18-4964-B750-46175EFFB82C}"/>
-              </a:ext>
-            </a:extLst>
-          </p:cNvPr>
-          <p:cNvSpPr/>
-          <p:nvPr/>
-        </p:nvSpPr>
-        <p:spPr>
-          <a:xfrm>
-            <a:off x="0" y="1281952"/>
-            <a:ext cx="3236259" cy="708213"/>
-          </a:xfrm>
-          <a:prstGeom prst="rect">
-            <a:avLst/>
-          </a:prstGeom>
-          <a:solidFill>
-            <a:schemeClr val="tx1"/>
-          </a:solidFill>
-          <a:ln>
-            <a:noFill/>
-          </a:ln>
-        </p:spPr>
-        <p:style>
-          <a:lnRef idx="2">
-            <a:schemeClr val="accent1">
-              <a:shade val="50000"/>
-            </a:schemeClr>
-          </a:lnRef>
-          <a:fillRef idx="1">
-            <a:schemeClr val="accent1"/>
-          </a:fillRef>
-          <a:effectRef idx="0">
-            <a:schemeClr val="accent1"/>
-          </a:effectRef>
-          <a:fontRef idx="minor">
-            <a:schemeClr val="lt1"/>
-          </a:fontRef>
-        </p:style>
-        <p:txBody>
-          <a:bodyPr rtlCol="0" anchor="ctr"/>
-          <a:lstStyle/>
-          <a:p>
-            <a:pPr algn="ctr"/>
-            <a:r>
-              <a:rPr kumimoji="1" lang="ja-JP" altLang="en-US" sz="3600" dirty="0"/>
-              <a:t>トップページ</a:t>
-            </a:r>
-          </a:p>
-        </p:txBody>
-      </p:sp>
-      <p:sp>
-        <p:nvSpPr>
-          <p:cNvPr id="12" name="正方形/長方形 11">
-            <a:extLst>
-              <a:ext uri="{FF2B5EF4-FFF2-40B4-BE49-F238E27FC236}">
-                <a16:creationId xmlns:a16="http://schemas.microsoft.com/office/drawing/2014/main" id="{BB712BF7-22E9-4D62-8AA2-80696013C13F}"/>
-              </a:ext>
-            </a:extLst>
-          </p:cNvPr>
-          <p:cNvSpPr/>
-          <p:nvPr/>
-        </p:nvSpPr>
-        <p:spPr>
-          <a:xfrm>
-            <a:off x="3953435" y="1281951"/>
-            <a:ext cx="5746376" cy="708213"/>
-          </a:xfrm>
-          <a:prstGeom prst="rect">
-            <a:avLst/>
-          </a:prstGeom>
-          <a:solidFill>
-            <a:schemeClr val="tx1"/>
-          </a:solidFill>
-          <a:ln>
-            <a:noFill/>
-          </a:ln>
-        </p:spPr>
-        <p:style>
-          <a:lnRef idx="2">
-            <a:schemeClr val="accent1">
-              <a:shade val="50000"/>
-            </a:schemeClr>
-          </a:lnRef>
-          <a:fillRef idx="1">
-            <a:schemeClr val="accent1"/>
-          </a:fillRef>
-          <a:effectRef idx="0">
-            <a:schemeClr val="accent1"/>
-          </a:effectRef>
-          <a:fontRef idx="minor">
-            <a:schemeClr val="lt1"/>
-          </a:fontRef>
-        </p:style>
-        <p:txBody>
-          <a:bodyPr rtlCol="0" anchor="ctr"/>
-          <a:lstStyle/>
-          <a:p>
-            <a:pPr algn="ctr"/>
-            <a:r>
-              <a:rPr kumimoji="1" lang="ja-JP" altLang="en-US" sz="3600" dirty="0"/>
-              <a:t>最寄り検索</a:t>
-            </a:r>
-            <a:r>
-              <a:rPr kumimoji="1" lang="en-US" altLang="ja-JP" sz="3600" dirty="0"/>
-              <a:t>(Google Map)</a:t>
-            </a:r>
-            <a:endParaRPr kumimoji="1" lang="ja-JP" altLang="en-US" sz="3600" dirty="0"/>
-          </a:p>
-        </p:txBody>
-      </p:sp>
-      <p:sp>
-        <p:nvSpPr>
-          <p:cNvPr id="13" name="正方形/長方形 12">
-            <a:extLst>
-              <a:ext uri="{FF2B5EF4-FFF2-40B4-BE49-F238E27FC236}">
-                <a16:creationId xmlns:a16="http://schemas.microsoft.com/office/drawing/2014/main" id="{F940B3BB-44AF-4C96-A24C-CE9F1CD2CF5E}"/>
-              </a:ext>
-            </a:extLst>
-          </p:cNvPr>
-          <p:cNvSpPr/>
-          <p:nvPr/>
-        </p:nvSpPr>
-        <p:spPr>
-          <a:xfrm>
-            <a:off x="3953435" y="2720785"/>
-            <a:ext cx="3218330" cy="708213"/>
-          </a:xfrm>
-          <a:prstGeom prst="rect">
-            <a:avLst/>
-          </a:prstGeom>
-          <a:solidFill>
-            <a:schemeClr val="tx1"/>
-          </a:solidFill>
-          <a:ln>
-            <a:noFill/>
-          </a:ln>
-        </p:spPr>
-        <p:style>
-          <a:lnRef idx="2">
-            <a:schemeClr val="accent1">
-              <a:shade val="50000"/>
-            </a:schemeClr>
-          </a:lnRef>
-          <a:fillRef idx="1">
-            <a:schemeClr val="accent1"/>
-          </a:fillRef>
-          <a:effectRef idx="0">
-            <a:schemeClr val="accent1"/>
-          </a:effectRef>
-          <a:fontRef idx="minor">
-            <a:schemeClr val="lt1"/>
-          </a:fontRef>
-        </p:style>
-        <p:txBody>
-          <a:bodyPr rtlCol="0" anchor="ctr"/>
-          <a:lstStyle/>
-          <a:p>
-            <a:pPr algn="ctr"/>
-            <a:r>
-              <a:rPr kumimoji="1" lang="ja-JP" altLang="en-US" sz="3600" dirty="0"/>
-              <a:t>ざっくり検索</a:t>
-            </a:r>
-          </a:p>
-        </p:txBody>
-      </p:sp>
-      <p:sp>
-        <p:nvSpPr>
-          <p:cNvPr id="14" name="正方形/長方形 13">
-            <a:extLst>
-              <a:ext uri="{FF2B5EF4-FFF2-40B4-BE49-F238E27FC236}">
-                <a16:creationId xmlns:a16="http://schemas.microsoft.com/office/drawing/2014/main" id="{CB8A1C4B-8695-4466-A3D3-6AE3B9192C38}"/>
-              </a:ext>
-            </a:extLst>
-          </p:cNvPr>
-          <p:cNvSpPr/>
-          <p:nvPr/>
-        </p:nvSpPr>
-        <p:spPr>
-          <a:xfrm>
-            <a:off x="7960659" y="3074891"/>
-            <a:ext cx="3917575" cy="1371610"/>
-          </a:xfrm>
-          <a:prstGeom prst="rect">
-            <a:avLst/>
-          </a:prstGeom>
-          <a:solidFill>
-            <a:schemeClr val="tx1"/>
-          </a:solidFill>
-          <a:ln>
-            <a:noFill/>
-          </a:ln>
-        </p:spPr>
-        <p:style>
-          <a:lnRef idx="2">
-            <a:schemeClr val="accent1">
-              <a:shade val="50000"/>
-            </a:schemeClr>
-          </a:lnRef>
-          <a:fillRef idx="1">
-            <a:schemeClr val="accent1"/>
-          </a:fillRef>
-          <a:effectRef idx="0">
-            <a:schemeClr val="accent1"/>
-          </a:effectRef>
-          <a:fontRef idx="minor">
-            <a:schemeClr val="lt1"/>
-          </a:fontRef>
-        </p:style>
-        <p:txBody>
-          <a:bodyPr rtlCol="0" anchor="ctr"/>
-          <a:lstStyle/>
-          <a:p>
-            <a:pPr algn="ctr"/>
-            <a:r>
-              <a:rPr kumimoji="1" lang="ja-JP" altLang="en-US" sz="3600" dirty="0"/>
-              <a:t>〇〇にオススメ！ページ</a:t>
-            </a:r>
-          </a:p>
-        </p:txBody>
-      </p:sp>
-      <p:sp>
-        <p:nvSpPr>
-          <p:cNvPr id="15" name="正方形/長方形 14">
-            <a:extLst>
-              <a:ext uri="{FF2B5EF4-FFF2-40B4-BE49-F238E27FC236}">
-                <a16:creationId xmlns:a16="http://schemas.microsoft.com/office/drawing/2014/main" id="{C8318B34-78EA-4BDE-ACBC-B781D8D91219}"/>
-              </a:ext>
-            </a:extLst>
-          </p:cNvPr>
-          <p:cNvSpPr/>
-          <p:nvPr/>
-        </p:nvSpPr>
-        <p:spPr>
-          <a:xfrm>
-            <a:off x="8964" y="2720787"/>
-            <a:ext cx="3218330" cy="708213"/>
-          </a:xfrm>
-          <a:prstGeom prst="rect">
-            <a:avLst/>
-          </a:prstGeom>
-          <a:solidFill>
-            <a:schemeClr val="tx1"/>
-          </a:solidFill>
-          <a:ln>
-            <a:noFill/>
-          </a:ln>
-        </p:spPr>
-        <p:style>
-          <a:lnRef idx="2">
-            <a:schemeClr val="accent1">
-              <a:shade val="50000"/>
-            </a:schemeClr>
-          </a:lnRef>
-          <a:fillRef idx="1">
-            <a:schemeClr val="accent1"/>
-          </a:fillRef>
-          <a:effectRef idx="0">
-            <a:schemeClr val="accent1"/>
-          </a:effectRef>
-          <a:fontRef idx="minor">
-            <a:schemeClr val="lt1"/>
-          </a:fontRef>
-        </p:style>
-        <p:txBody>
-          <a:bodyPr rtlCol="0" anchor="ctr"/>
-          <a:lstStyle/>
-          <a:p>
-            <a:pPr algn="ctr"/>
+              <a:t>ターゲットユーザー</a:t>
+            </a:r>
+            <a:endParaRPr lang="en-US" altLang="ja-JP" sz="4800" dirty="0"/>
+          </a:p>
+          <a:p>
+            <a:r>
+              <a:rPr kumimoji="1" lang="ja-JP" altLang="en-US" sz="4800" dirty="0"/>
+              <a:t>　</a:t>
+            </a:r>
             <a:r>
               <a:rPr lang="ja-JP" altLang="en-US" sz="3600" dirty="0"/>
-              <a:t>こだわ</a:t>
-            </a:r>
-            <a:r>
-              <a:rPr kumimoji="1" lang="ja-JP" altLang="en-US" sz="3600" dirty="0"/>
-              <a:t>り検索</a:t>
-            </a:r>
-          </a:p>
-        </p:txBody>
-      </p:sp>
-      <p:sp>
-        <p:nvSpPr>
-          <p:cNvPr id="29" name="正方形/長方形 28">
-            <a:extLst>
-              <a:ext uri="{FF2B5EF4-FFF2-40B4-BE49-F238E27FC236}">
-                <a16:creationId xmlns:a16="http://schemas.microsoft.com/office/drawing/2014/main" id="{2589E7FB-2FA8-45BD-A357-4AD930DC7A82}"/>
-              </a:ext>
-            </a:extLst>
-          </p:cNvPr>
-          <p:cNvSpPr/>
-          <p:nvPr/>
-        </p:nvSpPr>
-        <p:spPr>
-          <a:xfrm>
-            <a:off x="3406588" y="4159623"/>
-            <a:ext cx="3218330" cy="1416426"/>
-          </a:xfrm>
-          <a:prstGeom prst="rect">
-            <a:avLst/>
-          </a:prstGeom>
-          <a:solidFill>
-            <a:schemeClr val="tx1"/>
-          </a:solidFill>
-          <a:ln>
-            <a:noFill/>
-          </a:ln>
-        </p:spPr>
-        <p:style>
-          <a:lnRef idx="2">
-            <a:schemeClr val="accent1">
-              <a:shade val="50000"/>
-            </a:schemeClr>
-          </a:lnRef>
-          <a:fillRef idx="1">
-            <a:schemeClr val="accent1"/>
-          </a:fillRef>
-          <a:effectRef idx="0">
-            <a:schemeClr val="accent1"/>
-          </a:effectRef>
-          <a:fontRef idx="minor">
-            <a:schemeClr val="lt1"/>
-          </a:fontRef>
-        </p:style>
-        <p:txBody>
-          <a:bodyPr rtlCol="0" anchor="ctr"/>
-          <a:lstStyle/>
-          <a:p>
-            <a:pPr algn="ctr"/>
+              <a:t>津田沼駅周辺でラーメン店を探したいすべての日本人</a:t>
+            </a:r>
+            <a:endParaRPr lang="en-US" altLang="ja-JP" sz="3600" dirty="0"/>
+          </a:p>
+          <a:p>
+            <a:r>
+              <a:rPr lang="en-US" altLang="ja-JP" sz="4800" dirty="0"/>
+              <a:t>Web</a:t>
+            </a:r>
+            <a:r>
+              <a:rPr lang="ja-JP" altLang="en-US" sz="4800" dirty="0"/>
+              <a:t>ページを作る目的</a:t>
+            </a:r>
+            <a:endParaRPr lang="en-US" altLang="ja-JP" sz="4800" dirty="0"/>
+          </a:p>
+          <a:p>
+            <a:r>
+              <a:rPr lang="ja-JP" altLang="en-US" sz="4800" dirty="0"/>
+              <a:t>　</a:t>
+            </a:r>
             <a:r>
               <a:rPr lang="ja-JP" altLang="en-US" sz="3600" dirty="0"/>
-              <a:t>店舗詳細</a:t>
+              <a:t>津田沼駅周辺でラーメン店を探したいすべての日本人の、多様なニーズに応えたい</a:t>
             </a:r>
             <a:endParaRPr lang="en-US" altLang="ja-JP" sz="3600" dirty="0"/>
           </a:p>
-          <a:p>
-            <a:pPr algn="ctr"/>
-            <a:r>
-              <a:rPr lang="ja-JP" altLang="en-US" sz="3600" dirty="0"/>
-              <a:t>ページ</a:t>
-            </a:r>
-            <a:endParaRPr kumimoji="1" lang="ja-JP" altLang="en-US" sz="3600" dirty="0"/>
-          </a:p>
-        </p:txBody>
-      </p:sp>
-      <p:cxnSp>
-        <p:nvCxnSpPr>
-          <p:cNvPr id="41" name="直線矢印コネクタ 40">
-            <a:extLst>
-              <a:ext uri="{FF2B5EF4-FFF2-40B4-BE49-F238E27FC236}">
-                <a16:creationId xmlns:a16="http://schemas.microsoft.com/office/drawing/2014/main" id="{6D092CC3-42B3-4EEA-AE86-B668AAD55BBA}"/>
-              </a:ext>
-            </a:extLst>
-          </p:cNvPr>
-          <p:cNvCxnSpPr>
-            <a:stCxn id="15" idx="2"/>
-            <a:endCxn id="29" idx="1"/>
-          </p:cNvCxnSpPr>
-          <p:nvPr/>
-        </p:nvCxnSpPr>
-        <p:spPr>
-          <a:xfrm>
-            <a:off x="1618129" y="3429000"/>
-            <a:ext cx="1788459" cy="1438836"/>
-          </a:xfrm>
-          <a:prstGeom prst="straightConnector1">
-            <a:avLst/>
-          </a:prstGeom>
-          <a:ln w="76200">
-            <a:tailEnd type="triangle"/>
-          </a:ln>
-        </p:spPr>
-        <p:style>
-          <a:lnRef idx="1">
-            <a:schemeClr val="accent1"/>
-          </a:lnRef>
-          <a:fillRef idx="0">
-            <a:schemeClr val="accent1"/>
-          </a:fillRef>
-          <a:effectRef idx="0">
-            <a:schemeClr val="accent1"/>
-          </a:effectRef>
-          <a:fontRef idx="minor">
-            <a:schemeClr val="tx1"/>
-          </a:fontRef>
-        </p:style>
-      </p:cxnSp>
-      <p:cxnSp>
-        <p:nvCxnSpPr>
-          <p:cNvPr id="45" name="直線矢印コネクタ 44">
-            <a:extLst>
-              <a:ext uri="{FF2B5EF4-FFF2-40B4-BE49-F238E27FC236}">
-                <a16:creationId xmlns:a16="http://schemas.microsoft.com/office/drawing/2014/main" id="{EBC1B194-13D7-40E1-9E06-CD09EBDFC398}"/>
-              </a:ext>
-            </a:extLst>
-          </p:cNvPr>
-          <p:cNvCxnSpPr>
-            <a:cxnSpLocks/>
-            <a:stCxn id="13" idx="3"/>
-            <a:endCxn id="14" idx="1"/>
-          </p:cNvCxnSpPr>
-          <p:nvPr/>
-        </p:nvCxnSpPr>
-        <p:spPr>
-          <a:xfrm>
-            <a:off x="7171765" y="3074892"/>
-            <a:ext cx="788894" cy="685804"/>
-          </a:xfrm>
-          <a:prstGeom prst="straightConnector1">
-            <a:avLst/>
-          </a:prstGeom>
-          <a:ln w="76200">
-            <a:tailEnd type="triangle"/>
-          </a:ln>
-        </p:spPr>
-        <p:style>
-          <a:lnRef idx="1">
-            <a:schemeClr val="accent1"/>
-          </a:lnRef>
-          <a:fillRef idx="0">
-            <a:schemeClr val="accent1"/>
-          </a:fillRef>
-          <a:effectRef idx="0">
-            <a:schemeClr val="accent1"/>
-          </a:effectRef>
-          <a:fontRef idx="minor">
-            <a:schemeClr val="tx1"/>
-          </a:fontRef>
-        </p:style>
-      </p:cxnSp>
-      <p:cxnSp>
-        <p:nvCxnSpPr>
-          <p:cNvPr id="48" name="直線矢印コネクタ 47">
-            <a:extLst>
-              <a:ext uri="{FF2B5EF4-FFF2-40B4-BE49-F238E27FC236}">
-                <a16:creationId xmlns:a16="http://schemas.microsoft.com/office/drawing/2014/main" id="{3E3E9160-2E8E-45DE-95FD-C8E38FDFE03B}"/>
-              </a:ext>
-            </a:extLst>
-          </p:cNvPr>
-          <p:cNvCxnSpPr>
-            <a:cxnSpLocks/>
-          </p:cNvCxnSpPr>
-          <p:nvPr/>
-        </p:nvCxnSpPr>
-        <p:spPr>
-          <a:xfrm>
-            <a:off x="3254190" y="1990164"/>
-            <a:ext cx="699245" cy="730621"/>
-          </a:xfrm>
-          <a:prstGeom prst="straightConnector1">
-            <a:avLst/>
-          </a:prstGeom>
-          <a:ln w="76200">
-            <a:tailEnd type="triangle"/>
-          </a:ln>
-        </p:spPr>
-        <p:style>
-          <a:lnRef idx="1">
-            <a:schemeClr val="accent1"/>
-          </a:lnRef>
-          <a:fillRef idx="0">
-            <a:schemeClr val="accent1"/>
-          </a:fillRef>
-          <a:effectRef idx="0">
-            <a:schemeClr val="accent1"/>
-          </a:effectRef>
-          <a:fontRef idx="minor">
-            <a:schemeClr val="tx1"/>
-          </a:fontRef>
-        </p:style>
-      </p:cxnSp>
-      <p:cxnSp>
-        <p:nvCxnSpPr>
-          <p:cNvPr id="52" name="直線矢印コネクタ 51">
-            <a:extLst>
-              <a:ext uri="{FF2B5EF4-FFF2-40B4-BE49-F238E27FC236}">
-                <a16:creationId xmlns:a16="http://schemas.microsoft.com/office/drawing/2014/main" id="{840F012B-AEB6-4BBE-9429-292A44BD7CBA}"/>
-              </a:ext>
-            </a:extLst>
-          </p:cNvPr>
-          <p:cNvCxnSpPr>
-            <a:cxnSpLocks/>
-            <a:stCxn id="5" idx="3"/>
-            <a:endCxn id="12" idx="1"/>
-          </p:cNvCxnSpPr>
-          <p:nvPr/>
-        </p:nvCxnSpPr>
-        <p:spPr>
-          <a:xfrm flipV="1">
-            <a:off x="3236259" y="1636058"/>
-            <a:ext cx="717176" cy="1"/>
-          </a:xfrm>
-          <a:prstGeom prst="straightConnector1">
-            <a:avLst/>
-          </a:prstGeom>
-          <a:ln w="76200">
-            <a:tailEnd type="triangle"/>
-          </a:ln>
-        </p:spPr>
-        <p:style>
-          <a:lnRef idx="1">
-            <a:schemeClr val="accent1"/>
-          </a:lnRef>
-          <a:fillRef idx="0">
-            <a:schemeClr val="accent1"/>
-          </a:fillRef>
-          <a:effectRef idx="0">
-            <a:schemeClr val="accent1"/>
-          </a:effectRef>
-          <a:fontRef idx="minor">
-            <a:schemeClr val="tx1"/>
-          </a:fontRef>
-        </p:style>
-      </p:cxnSp>
-      <p:cxnSp>
-        <p:nvCxnSpPr>
-          <p:cNvPr id="55" name="直線矢印コネクタ 54">
-            <a:extLst>
-              <a:ext uri="{FF2B5EF4-FFF2-40B4-BE49-F238E27FC236}">
-                <a16:creationId xmlns:a16="http://schemas.microsoft.com/office/drawing/2014/main" id="{FF70903F-BC37-4469-88B6-7C0415FC4E4A}"/>
-              </a:ext>
-            </a:extLst>
-          </p:cNvPr>
-          <p:cNvCxnSpPr>
-            <a:cxnSpLocks/>
-            <a:stCxn id="5" idx="2"/>
-            <a:endCxn id="15" idx="0"/>
-          </p:cNvCxnSpPr>
-          <p:nvPr/>
-        </p:nvCxnSpPr>
-        <p:spPr>
-          <a:xfrm flipH="1">
-            <a:off x="1618129" y="1990165"/>
-            <a:ext cx="1" cy="730622"/>
-          </a:xfrm>
-          <a:prstGeom prst="straightConnector1">
-            <a:avLst/>
-          </a:prstGeom>
-          <a:ln w="76200">
-            <a:tailEnd type="triangle"/>
-          </a:ln>
-        </p:spPr>
-        <p:style>
-          <a:lnRef idx="1">
-            <a:schemeClr val="accent1"/>
-          </a:lnRef>
-          <a:fillRef idx="0">
-            <a:schemeClr val="accent1"/>
-          </a:fillRef>
-          <a:effectRef idx="0">
-            <a:schemeClr val="accent1"/>
-          </a:effectRef>
-          <a:fontRef idx="minor">
-            <a:schemeClr val="tx1"/>
-          </a:fontRef>
-        </p:style>
-      </p:cxnSp>
+        </p:txBody>
+      </p:sp>
     </p:spTree>
     <p:extLst>
       <p:ext uri="{BB962C8B-B14F-4D97-AF65-F5344CB8AC3E}">
-        <p14:creationId xmlns:p14="http://schemas.microsoft.com/office/powerpoint/2010/main" val="829918878"/>
+        <p14:creationId xmlns:p14="http://schemas.microsoft.com/office/powerpoint/2010/main" val="4286874780"/>
       </p:ext>
     </p:extLst>
   </p:cSld>
@@ -4291,8 +3765,8 @@
         </p:nvSpPr>
         <p:spPr>
           <a:xfrm>
-            <a:off x="0" y="555812"/>
-            <a:ext cx="5746376" cy="5746376"/>
+            <a:off x="0" y="0"/>
+            <a:ext cx="5746376" cy="833718"/>
           </a:xfrm>
           <a:prstGeom prst="rect">
             <a:avLst/>
@@ -4327,31 +3801,7 @@
             <a:pPr algn="ctr"/>
             <a:r>
               <a:rPr kumimoji="1" lang="ja-JP" altLang="en-US" sz="4800" dirty="0"/>
-              <a:t>トップページ</a:t>
-            </a:r>
-            <a:endParaRPr kumimoji="1" lang="en-US" altLang="ja-JP" sz="4800" dirty="0"/>
-          </a:p>
-          <a:p>
-            <a:pPr algn="ctr"/>
-            <a:r>
-              <a:rPr kumimoji="1" lang="ja-JP" altLang="en-US" sz="4800" dirty="0"/>
-              <a:t>津田沼駅周辺の</a:t>
-            </a:r>
-            <a:endParaRPr kumimoji="1" lang="en-US" altLang="ja-JP" sz="4800" dirty="0"/>
-          </a:p>
-          <a:p>
-            <a:pPr algn="ctr"/>
-            <a:r>
-              <a:rPr lang="ja-JP" altLang="en-US" sz="4800" dirty="0"/>
-              <a:t>ラーメン検索</a:t>
-            </a:r>
-            <a:endParaRPr lang="en-US" altLang="ja-JP" sz="4800" dirty="0"/>
-          </a:p>
-          <a:p>
-            <a:pPr algn="ctr"/>
-            <a:r>
-              <a:rPr kumimoji="1" lang="ja-JP" altLang="en-US" sz="4800" dirty="0"/>
-              <a:t>サイト</a:t>
+              <a:t>サイトマップ</a:t>
             </a:r>
           </a:p>
         </p:txBody>
@@ -4370,8 +3820,8 @@
         </p:nvSpPr>
         <p:spPr>
           <a:xfrm>
-            <a:off x="6445624" y="555813"/>
-            <a:ext cx="5746376" cy="1452284"/>
+            <a:off x="0" y="1281952"/>
+            <a:ext cx="3236259" cy="708213"/>
           </a:xfrm>
           <a:prstGeom prst="rect">
             <a:avLst/>
@@ -4403,27 +3853,20 @@
           <a:bodyPr rtlCol="0" anchor="ctr"/>
           <a:lstStyle/>
           <a:p>
-            <a:r>
-              <a:rPr lang="ja-JP" altLang="en-US" sz="4400" dirty="0"/>
-              <a:t>最寄り検索</a:t>
-            </a:r>
-            <a:endParaRPr lang="en-US" altLang="ja-JP" sz="4400" dirty="0"/>
-          </a:p>
-          <a:p>
-            <a:r>
-              <a:rPr lang="ja-JP" altLang="en-US" sz="2800" dirty="0"/>
-              <a:t>最寄りの店を検索</a:t>
-            </a:r>
-            <a:endParaRPr kumimoji="1" lang="ja-JP" altLang="en-US" sz="2800" dirty="0"/>
-          </a:p>
-        </p:txBody>
-      </p:sp>
-      <p:sp>
-        <p:nvSpPr>
-          <p:cNvPr id="6" name="正方形/長方形 5">
-            <a:extLst>
-              <a:ext uri="{FF2B5EF4-FFF2-40B4-BE49-F238E27FC236}">
-                <a16:creationId xmlns:a16="http://schemas.microsoft.com/office/drawing/2014/main" id="{AE8654DD-4C51-4E81-A94E-24AE320FA38B}"/>
+            <a:pPr algn="ctr"/>
+            <a:r>
+              <a:rPr kumimoji="1" lang="ja-JP" altLang="en-US" sz="3600" dirty="0"/>
+              <a:t>トップページ</a:t>
+            </a:r>
+          </a:p>
+        </p:txBody>
+      </p:sp>
+      <p:sp>
+        <p:nvSpPr>
+          <p:cNvPr id="12" name="正方形/長方形 11">
+            <a:extLst>
+              <a:ext uri="{FF2B5EF4-FFF2-40B4-BE49-F238E27FC236}">
+                <a16:creationId xmlns:a16="http://schemas.microsoft.com/office/drawing/2014/main" id="{BB712BF7-22E9-4D62-8AA2-80696013C13F}"/>
               </a:ext>
             </a:extLst>
           </p:cNvPr>
@@ -4432,8 +3875,8 @@
         </p:nvSpPr>
         <p:spPr>
           <a:xfrm>
-            <a:off x="6445624" y="2698376"/>
-            <a:ext cx="5746376" cy="1452283"/>
+            <a:off x="3953435" y="1281951"/>
+            <a:ext cx="5746376" cy="708213"/>
           </a:xfrm>
           <a:prstGeom prst="rect">
             <a:avLst/>
@@ -4465,25 +3908,25 @@
           <a:bodyPr rtlCol="0" anchor="ctr"/>
           <a:lstStyle/>
           <a:p>
-            <a:r>
-              <a:rPr lang="ja-JP" altLang="en-US" sz="4400" dirty="0"/>
-              <a:t>ざっくり検索</a:t>
-            </a:r>
-          </a:p>
-          <a:p>
-            <a:r>
-              <a:rPr kumimoji="1" lang="ja-JP" altLang="en-US" sz="2800" dirty="0"/>
-              <a:t>オススメの店を紹介</a:t>
-            </a:r>
-          </a:p>
-        </p:txBody>
-      </p:sp>
-      <p:sp>
-        <p:nvSpPr>
-          <p:cNvPr id="7" name="正方形/長方形 6">
-            <a:extLst>
-              <a:ext uri="{FF2B5EF4-FFF2-40B4-BE49-F238E27FC236}">
-                <a16:creationId xmlns:a16="http://schemas.microsoft.com/office/drawing/2014/main" id="{B8FD280F-FE5A-4B95-B161-32F73D5ECDC1}"/>
+            <a:pPr algn="ctr"/>
+            <a:r>
+              <a:rPr kumimoji="1" lang="ja-JP" altLang="en-US" sz="3600" dirty="0"/>
+              <a:t>最寄り検索</a:t>
+            </a:r>
+            <a:r>
+              <a:rPr kumimoji="1" lang="en-US" altLang="ja-JP" sz="3600" dirty="0"/>
+              <a:t>(Google Map)</a:t>
+            </a:r>
+            <a:endParaRPr kumimoji="1" lang="ja-JP" altLang="en-US" sz="3600" dirty="0"/>
+          </a:p>
+        </p:txBody>
+      </p:sp>
+      <p:sp>
+        <p:nvSpPr>
+          <p:cNvPr id="13" name="正方形/長方形 12">
+            <a:extLst>
+              <a:ext uri="{FF2B5EF4-FFF2-40B4-BE49-F238E27FC236}">
+                <a16:creationId xmlns:a16="http://schemas.microsoft.com/office/drawing/2014/main" id="{F940B3BB-44AF-4C96-A24C-CE9F1CD2CF5E}"/>
               </a:ext>
             </a:extLst>
           </p:cNvPr>
@@ -4492,8 +3935,8 @@
         </p:nvSpPr>
         <p:spPr>
           <a:xfrm>
-            <a:off x="6445624" y="4849905"/>
-            <a:ext cx="5746376" cy="1452283"/>
+            <a:off x="3953435" y="2720785"/>
+            <a:ext cx="3218330" cy="708213"/>
           </a:xfrm>
           <a:prstGeom prst="rect">
             <a:avLst/>
@@ -4525,24 +3968,408 @@
           <a:bodyPr rtlCol="0" anchor="ctr"/>
           <a:lstStyle/>
           <a:p>
-            <a:r>
-              <a:rPr lang="ja-JP" altLang="en-US" sz="4400" dirty="0"/>
-              <a:t>こだわり検索</a:t>
-            </a:r>
-          </a:p>
-          <a:p>
-            <a:r>
-              <a:rPr lang="ja-JP" altLang="en-US" sz="2800" dirty="0"/>
-              <a:t>選択した麺やスープから店を検索</a:t>
-            </a:r>
-            <a:endParaRPr kumimoji="1" lang="ja-JP" altLang="en-US" sz="2800" dirty="0"/>
-          </a:p>
-        </p:txBody>
-      </p:sp>
+            <a:pPr algn="ctr"/>
+            <a:r>
+              <a:rPr kumimoji="1" lang="ja-JP" altLang="en-US" sz="3600" dirty="0"/>
+              <a:t>ざっくり検索</a:t>
+            </a:r>
+          </a:p>
+        </p:txBody>
+      </p:sp>
+      <p:sp>
+        <p:nvSpPr>
+          <p:cNvPr id="14" name="正方形/長方形 13">
+            <a:extLst>
+              <a:ext uri="{FF2B5EF4-FFF2-40B4-BE49-F238E27FC236}">
+                <a16:creationId xmlns:a16="http://schemas.microsoft.com/office/drawing/2014/main" id="{CB8A1C4B-8695-4466-A3D3-6AE3B9192C38}"/>
+              </a:ext>
+            </a:extLst>
+          </p:cNvPr>
+          <p:cNvSpPr/>
+          <p:nvPr/>
+        </p:nvSpPr>
+        <p:spPr>
+          <a:xfrm>
+            <a:off x="7960659" y="3074891"/>
+            <a:ext cx="3917575" cy="1371610"/>
+          </a:xfrm>
+          <a:prstGeom prst="rect">
+            <a:avLst/>
+          </a:prstGeom>
+          <a:solidFill>
+            <a:schemeClr val="tx1"/>
+          </a:solidFill>
+          <a:ln>
+            <a:noFill/>
+          </a:ln>
+        </p:spPr>
+        <p:style>
+          <a:lnRef idx="2">
+            <a:schemeClr val="accent1">
+              <a:shade val="50000"/>
+            </a:schemeClr>
+          </a:lnRef>
+          <a:fillRef idx="1">
+            <a:schemeClr val="accent1"/>
+          </a:fillRef>
+          <a:effectRef idx="0">
+            <a:schemeClr val="accent1"/>
+          </a:effectRef>
+          <a:fontRef idx="minor">
+            <a:schemeClr val="lt1"/>
+          </a:fontRef>
+        </p:style>
+        <p:txBody>
+          <a:bodyPr rtlCol="0" anchor="ctr"/>
+          <a:lstStyle/>
+          <a:p>
+            <a:pPr algn="ctr"/>
+            <a:r>
+              <a:rPr kumimoji="1" lang="ja-JP" altLang="en-US" sz="3600" dirty="0"/>
+              <a:t>〇〇にオススメ！ページ</a:t>
+            </a:r>
+          </a:p>
+        </p:txBody>
+      </p:sp>
+      <p:sp>
+        <p:nvSpPr>
+          <p:cNvPr id="15" name="正方形/長方形 14">
+            <a:extLst>
+              <a:ext uri="{FF2B5EF4-FFF2-40B4-BE49-F238E27FC236}">
+                <a16:creationId xmlns:a16="http://schemas.microsoft.com/office/drawing/2014/main" id="{C8318B34-78EA-4BDE-ACBC-B781D8D91219}"/>
+              </a:ext>
+            </a:extLst>
+          </p:cNvPr>
+          <p:cNvSpPr/>
+          <p:nvPr/>
+        </p:nvSpPr>
+        <p:spPr>
+          <a:xfrm>
+            <a:off x="8964" y="2720787"/>
+            <a:ext cx="3218330" cy="708213"/>
+          </a:xfrm>
+          <a:prstGeom prst="rect">
+            <a:avLst/>
+          </a:prstGeom>
+          <a:solidFill>
+            <a:schemeClr val="tx1"/>
+          </a:solidFill>
+          <a:ln>
+            <a:noFill/>
+          </a:ln>
+        </p:spPr>
+        <p:style>
+          <a:lnRef idx="2">
+            <a:schemeClr val="accent1">
+              <a:shade val="50000"/>
+            </a:schemeClr>
+          </a:lnRef>
+          <a:fillRef idx="1">
+            <a:schemeClr val="accent1"/>
+          </a:fillRef>
+          <a:effectRef idx="0">
+            <a:schemeClr val="accent1"/>
+          </a:effectRef>
+          <a:fontRef idx="minor">
+            <a:schemeClr val="lt1"/>
+          </a:fontRef>
+        </p:style>
+        <p:txBody>
+          <a:bodyPr rtlCol="0" anchor="ctr"/>
+          <a:lstStyle/>
+          <a:p>
+            <a:pPr algn="ctr"/>
+            <a:r>
+              <a:rPr lang="ja-JP" altLang="en-US" sz="3600" dirty="0"/>
+              <a:t>こだわ</a:t>
+            </a:r>
+            <a:r>
+              <a:rPr kumimoji="1" lang="ja-JP" altLang="en-US" sz="3600" dirty="0"/>
+              <a:t>り検索</a:t>
+            </a:r>
+          </a:p>
+        </p:txBody>
+      </p:sp>
+      <p:sp>
+        <p:nvSpPr>
+          <p:cNvPr id="29" name="正方形/長方形 28">
+            <a:extLst>
+              <a:ext uri="{FF2B5EF4-FFF2-40B4-BE49-F238E27FC236}">
+                <a16:creationId xmlns:a16="http://schemas.microsoft.com/office/drawing/2014/main" id="{2589E7FB-2FA8-45BD-A357-4AD930DC7A82}"/>
+              </a:ext>
+            </a:extLst>
+          </p:cNvPr>
+          <p:cNvSpPr/>
+          <p:nvPr/>
+        </p:nvSpPr>
+        <p:spPr>
+          <a:xfrm>
+            <a:off x="3406588" y="4159623"/>
+            <a:ext cx="3218330" cy="1416426"/>
+          </a:xfrm>
+          <a:prstGeom prst="rect">
+            <a:avLst/>
+          </a:prstGeom>
+          <a:solidFill>
+            <a:schemeClr val="tx1"/>
+          </a:solidFill>
+          <a:ln>
+            <a:noFill/>
+          </a:ln>
+        </p:spPr>
+        <p:style>
+          <a:lnRef idx="2">
+            <a:schemeClr val="accent1">
+              <a:shade val="50000"/>
+            </a:schemeClr>
+          </a:lnRef>
+          <a:fillRef idx="1">
+            <a:schemeClr val="accent1"/>
+          </a:fillRef>
+          <a:effectRef idx="0">
+            <a:schemeClr val="accent1"/>
+          </a:effectRef>
+          <a:fontRef idx="minor">
+            <a:schemeClr val="lt1"/>
+          </a:fontRef>
+        </p:style>
+        <p:txBody>
+          <a:bodyPr rtlCol="0" anchor="ctr"/>
+          <a:lstStyle/>
+          <a:p>
+            <a:pPr algn="ctr"/>
+            <a:r>
+              <a:rPr lang="ja-JP" altLang="en-US" sz="3600" dirty="0"/>
+              <a:t>店舗詳細</a:t>
+            </a:r>
+            <a:endParaRPr lang="en-US" altLang="ja-JP" sz="3600" dirty="0"/>
+          </a:p>
+          <a:p>
+            <a:pPr algn="ctr"/>
+            <a:r>
+              <a:rPr lang="ja-JP" altLang="en-US" sz="3600" dirty="0"/>
+              <a:t>ページ</a:t>
+            </a:r>
+            <a:endParaRPr kumimoji="1" lang="ja-JP" altLang="en-US" sz="3600" dirty="0"/>
+          </a:p>
+        </p:txBody>
+      </p:sp>
+      <p:cxnSp>
+        <p:nvCxnSpPr>
+          <p:cNvPr id="41" name="直線矢印コネクタ 40">
+            <a:extLst>
+              <a:ext uri="{FF2B5EF4-FFF2-40B4-BE49-F238E27FC236}">
+                <a16:creationId xmlns:a16="http://schemas.microsoft.com/office/drawing/2014/main" id="{6D092CC3-42B3-4EEA-AE86-B668AAD55BBA}"/>
+              </a:ext>
+            </a:extLst>
+          </p:cNvPr>
+          <p:cNvCxnSpPr>
+            <a:stCxn id="15" idx="2"/>
+            <a:endCxn id="29" idx="1"/>
+          </p:cNvCxnSpPr>
+          <p:nvPr/>
+        </p:nvCxnSpPr>
+        <p:spPr>
+          <a:xfrm>
+            <a:off x="1618129" y="3429000"/>
+            <a:ext cx="1788459" cy="1438836"/>
+          </a:xfrm>
+          <a:prstGeom prst="straightConnector1">
+            <a:avLst/>
+          </a:prstGeom>
+          <a:ln w="76200">
+            <a:tailEnd type="triangle"/>
+          </a:ln>
+        </p:spPr>
+        <p:style>
+          <a:lnRef idx="1">
+            <a:schemeClr val="accent1"/>
+          </a:lnRef>
+          <a:fillRef idx="0">
+            <a:schemeClr val="accent1"/>
+          </a:fillRef>
+          <a:effectRef idx="0">
+            <a:schemeClr val="accent1"/>
+          </a:effectRef>
+          <a:fontRef idx="minor">
+            <a:schemeClr val="tx1"/>
+          </a:fontRef>
+        </p:style>
+      </p:cxnSp>
+      <p:cxnSp>
+        <p:nvCxnSpPr>
+          <p:cNvPr id="45" name="直線矢印コネクタ 44">
+            <a:extLst>
+              <a:ext uri="{FF2B5EF4-FFF2-40B4-BE49-F238E27FC236}">
+                <a16:creationId xmlns:a16="http://schemas.microsoft.com/office/drawing/2014/main" id="{EBC1B194-13D7-40E1-9E06-CD09EBDFC398}"/>
+              </a:ext>
+            </a:extLst>
+          </p:cNvPr>
+          <p:cNvCxnSpPr>
+            <a:cxnSpLocks/>
+            <a:stCxn id="13" idx="3"/>
+            <a:endCxn id="14" idx="1"/>
+          </p:cNvCxnSpPr>
+          <p:nvPr/>
+        </p:nvCxnSpPr>
+        <p:spPr>
+          <a:xfrm>
+            <a:off x="7171765" y="3074892"/>
+            <a:ext cx="788894" cy="685804"/>
+          </a:xfrm>
+          <a:prstGeom prst="straightConnector1">
+            <a:avLst/>
+          </a:prstGeom>
+          <a:ln w="76200">
+            <a:tailEnd type="triangle"/>
+          </a:ln>
+        </p:spPr>
+        <p:style>
+          <a:lnRef idx="1">
+            <a:schemeClr val="accent1"/>
+          </a:lnRef>
+          <a:fillRef idx="0">
+            <a:schemeClr val="accent1"/>
+          </a:fillRef>
+          <a:effectRef idx="0">
+            <a:schemeClr val="accent1"/>
+          </a:effectRef>
+          <a:fontRef idx="minor">
+            <a:schemeClr val="tx1"/>
+          </a:fontRef>
+        </p:style>
+      </p:cxnSp>
+      <p:cxnSp>
+        <p:nvCxnSpPr>
+          <p:cNvPr id="48" name="直線矢印コネクタ 47">
+            <a:extLst>
+              <a:ext uri="{FF2B5EF4-FFF2-40B4-BE49-F238E27FC236}">
+                <a16:creationId xmlns:a16="http://schemas.microsoft.com/office/drawing/2014/main" id="{3E3E9160-2E8E-45DE-95FD-C8E38FDFE03B}"/>
+              </a:ext>
+            </a:extLst>
+          </p:cNvPr>
+          <p:cNvCxnSpPr>
+            <a:cxnSpLocks/>
+          </p:cNvCxnSpPr>
+          <p:nvPr/>
+        </p:nvCxnSpPr>
+        <p:spPr>
+          <a:xfrm>
+            <a:off x="3254190" y="1990164"/>
+            <a:ext cx="699245" cy="730621"/>
+          </a:xfrm>
+          <a:prstGeom prst="straightConnector1">
+            <a:avLst/>
+          </a:prstGeom>
+          <a:ln w="76200">
+            <a:tailEnd type="triangle"/>
+          </a:ln>
+        </p:spPr>
+        <p:style>
+          <a:lnRef idx="1">
+            <a:schemeClr val="accent1"/>
+          </a:lnRef>
+          <a:fillRef idx="0">
+            <a:schemeClr val="accent1"/>
+          </a:fillRef>
+          <a:effectRef idx="0">
+            <a:schemeClr val="accent1"/>
+          </a:effectRef>
+          <a:fontRef idx="minor">
+            <a:schemeClr val="tx1"/>
+          </a:fontRef>
+        </p:style>
+      </p:cxnSp>
+      <p:cxnSp>
+        <p:nvCxnSpPr>
+          <p:cNvPr id="52" name="直線矢印コネクタ 51">
+            <a:extLst>
+              <a:ext uri="{FF2B5EF4-FFF2-40B4-BE49-F238E27FC236}">
+                <a16:creationId xmlns:a16="http://schemas.microsoft.com/office/drawing/2014/main" id="{840F012B-AEB6-4BBE-9429-292A44BD7CBA}"/>
+              </a:ext>
+            </a:extLst>
+          </p:cNvPr>
+          <p:cNvCxnSpPr>
+            <a:cxnSpLocks/>
+            <a:stCxn id="5" idx="3"/>
+            <a:endCxn id="12" idx="1"/>
+          </p:cNvCxnSpPr>
+          <p:nvPr/>
+        </p:nvCxnSpPr>
+        <p:spPr>
+          <a:xfrm flipV="1">
+            <a:off x="3236259" y="1636058"/>
+            <a:ext cx="717176" cy="1"/>
+          </a:xfrm>
+          <a:prstGeom prst="straightConnector1">
+            <a:avLst/>
+          </a:prstGeom>
+          <a:ln w="76200">
+            <a:tailEnd type="triangle"/>
+          </a:ln>
+        </p:spPr>
+        <p:style>
+          <a:lnRef idx="1">
+            <a:schemeClr val="accent1"/>
+          </a:lnRef>
+          <a:fillRef idx="0">
+            <a:schemeClr val="accent1"/>
+          </a:fillRef>
+          <a:effectRef idx="0">
+            <a:schemeClr val="accent1"/>
+          </a:effectRef>
+          <a:fontRef idx="minor">
+            <a:schemeClr val="tx1"/>
+          </a:fontRef>
+        </p:style>
+      </p:cxnSp>
+      <p:cxnSp>
+        <p:nvCxnSpPr>
+          <p:cNvPr id="55" name="直線矢印コネクタ 54">
+            <a:extLst>
+              <a:ext uri="{FF2B5EF4-FFF2-40B4-BE49-F238E27FC236}">
+                <a16:creationId xmlns:a16="http://schemas.microsoft.com/office/drawing/2014/main" id="{FF70903F-BC37-4469-88B6-7C0415FC4E4A}"/>
+              </a:ext>
+            </a:extLst>
+          </p:cNvPr>
+          <p:cNvCxnSpPr>
+            <a:cxnSpLocks/>
+            <a:stCxn id="5" idx="2"/>
+            <a:endCxn id="15" idx="0"/>
+          </p:cNvCxnSpPr>
+          <p:nvPr/>
+        </p:nvCxnSpPr>
+        <p:spPr>
+          <a:xfrm flipH="1">
+            <a:off x="1618129" y="1990165"/>
+            <a:ext cx="1" cy="730622"/>
+          </a:xfrm>
+          <a:prstGeom prst="straightConnector1">
+            <a:avLst/>
+          </a:prstGeom>
+          <a:ln w="76200">
+            <a:tailEnd type="triangle"/>
+          </a:ln>
+        </p:spPr>
+        <p:style>
+          <a:lnRef idx="1">
+            <a:schemeClr val="accent1"/>
+          </a:lnRef>
+          <a:fillRef idx="0">
+            <a:schemeClr val="accent1"/>
+          </a:fillRef>
+          <a:effectRef idx="0">
+            <a:schemeClr val="accent1"/>
+          </a:effectRef>
+          <a:fontRef idx="minor">
+            <a:schemeClr val="tx1"/>
+          </a:fontRef>
+        </p:style>
+      </p:cxnSp>
     </p:spTree>
     <p:extLst>
       <p:ext uri="{BB962C8B-B14F-4D97-AF65-F5344CB8AC3E}">
-        <p14:creationId xmlns:p14="http://schemas.microsoft.com/office/powerpoint/2010/main" val="2540784849"/>
+        <p14:creationId xmlns:p14="http://schemas.microsoft.com/office/powerpoint/2010/main" val="829918878"/>
       </p:ext>
     </p:extLst>
   </p:cSld>
@@ -4584,7 +4411,7 @@
         <p:spPr>
           <a:xfrm>
             <a:off x="0" y="0"/>
-            <a:ext cx="6096000" cy="833718"/>
+            <a:ext cx="5746376" cy="833718"/>
           </a:xfrm>
           <a:prstGeom prst="rect">
             <a:avLst/>
@@ -4618,8 +4445,8 @@
           <a:p>
             <a:pPr algn="ctr"/>
             <a:r>
-              <a:rPr lang="ja-JP" altLang="en-US" sz="4800" dirty="0"/>
-              <a:t>最寄り検索</a:t>
+              <a:rPr kumimoji="1" lang="ja-JP" altLang="en-US" sz="4800" dirty="0"/>
+              <a:t>サイトマップ</a:t>
             </a:r>
           </a:p>
         </p:txBody>
@@ -4639,7 +4466,7 @@
         <p:spPr>
           <a:xfrm>
             <a:off x="0" y="1281952"/>
-            <a:ext cx="12192000" cy="5169648"/>
+            <a:ext cx="3236259" cy="708213"/>
           </a:xfrm>
           <a:prstGeom prst="rect">
             <a:avLst/>
@@ -4673,24 +4500,1176 @@
           <a:p>
             <a:pPr algn="ctr"/>
             <a:r>
-              <a:rPr kumimoji="1" lang="en-US" altLang="ja-JP" sz="4800" dirty="0"/>
-              <a:t>Google Map</a:t>
-            </a:r>
-          </a:p>
+              <a:rPr kumimoji="1" lang="ja-JP" altLang="en-US" sz="3600" dirty="0"/>
+              <a:t>トップページ</a:t>
+            </a:r>
+          </a:p>
+        </p:txBody>
+      </p:sp>
+      <p:sp>
+        <p:nvSpPr>
+          <p:cNvPr id="12" name="正方形/長方形 11">
+            <a:extLst>
+              <a:ext uri="{FF2B5EF4-FFF2-40B4-BE49-F238E27FC236}">
+                <a16:creationId xmlns:a16="http://schemas.microsoft.com/office/drawing/2014/main" id="{BB712BF7-22E9-4D62-8AA2-80696013C13F}"/>
+              </a:ext>
+            </a:extLst>
+          </p:cNvPr>
+          <p:cNvSpPr/>
+          <p:nvPr/>
+        </p:nvSpPr>
+        <p:spPr>
+          <a:xfrm>
+            <a:off x="8274424" y="977172"/>
+            <a:ext cx="3917575" cy="1317764"/>
+          </a:xfrm>
+          <a:prstGeom prst="rect">
+            <a:avLst/>
+          </a:prstGeom>
+          <a:solidFill>
+            <a:schemeClr val="tx1"/>
+          </a:solidFill>
+          <a:ln>
+            <a:noFill/>
+          </a:ln>
+        </p:spPr>
+        <p:style>
+          <a:lnRef idx="2">
+            <a:schemeClr val="accent1">
+              <a:shade val="50000"/>
+            </a:schemeClr>
+          </a:lnRef>
+          <a:fillRef idx="1">
+            <a:schemeClr val="accent1"/>
+          </a:fillRef>
+          <a:effectRef idx="0">
+            <a:schemeClr val="accent1"/>
+          </a:effectRef>
+          <a:fontRef idx="minor">
+            <a:schemeClr val="lt1"/>
+          </a:fontRef>
+        </p:style>
+        <p:txBody>
+          <a:bodyPr rtlCol="0" anchor="ctr"/>
+          <a:lstStyle/>
           <a:p>
             <a:pPr algn="ctr"/>
             <a:r>
-              <a:rPr lang="ja-JP" altLang="en-US" sz="4800" dirty="0"/>
-              <a:t>検索結果「ラーメン」</a:t>
-            </a:r>
-            <a:endParaRPr kumimoji="1" lang="ja-JP" altLang="en-US" sz="4800" dirty="0"/>
+              <a:rPr kumimoji="1" lang="ja-JP" altLang="en-US" sz="3600" dirty="0"/>
+              <a:t>最寄り検索</a:t>
+            </a:r>
+            <a:r>
+              <a:rPr kumimoji="1" lang="en-US" altLang="ja-JP" sz="3600" dirty="0"/>
+              <a:t>(Google Map)</a:t>
+            </a:r>
+            <a:endParaRPr kumimoji="1" lang="ja-JP" altLang="en-US" sz="3600" dirty="0"/>
+          </a:p>
+        </p:txBody>
+      </p:sp>
+      <p:sp>
+        <p:nvSpPr>
+          <p:cNvPr id="13" name="正方形/長方形 12">
+            <a:extLst>
+              <a:ext uri="{FF2B5EF4-FFF2-40B4-BE49-F238E27FC236}">
+                <a16:creationId xmlns:a16="http://schemas.microsoft.com/office/drawing/2014/main" id="{F940B3BB-44AF-4C96-A24C-CE9F1CD2CF5E}"/>
+              </a:ext>
+            </a:extLst>
+          </p:cNvPr>
+          <p:cNvSpPr/>
+          <p:nvPr/>
+        </p:nvSpPr>
+        <p:spPr>
+          <a:xfrm>
+            <a:off x="8973670" y="3455890"/>
+            <a:ext cx="3218330" cy="708213"/>
+          </a:xfrm>
+          <a:prstGeom prst="rect">
+            <a:avLst/>
+          </a:prstGeom>
+          <a:solidFill>
+            <a:schemeClr val="tx1"/>
+          </a:solidFill>
+          <a:ln>
+            <a:noFill/>
+          </a:ln>
+        </p:spPr>
+        <p:style>
+          <a:lnRef idx="2">
+            <a:schemeClr val="accent1">
+              <a:shade val="50000"/>
+            </a:schemeClr>
+          </a:lnRef>
+          <a:fillRef idx="1">
+            <a:schemeClr val="accent1"/>
+          </a:fillRef>
+          <a:effectRef idx="0">
+            <a:schemeClr val="accent1"/>
+          </a:effectRef>
+          <a:fontRef idx="minor">
+            <a:schemeClr val="lt1"/>
+          </a:fontRef>
+        </p:style>
+        <p:txBody>
+          <a:bodyPr rtlCol="0" anchor="ctr"/>
+          <a:lstStyle/>
+          <a:p>
+            <a:pPr algn="ctr"/>
+            <a:r>
+              <a:rPr kumimoji="1" lang="ja-JP" altLang="en-US" sz="3600" dirty="0"/>
+              <a:t>ざっくり検索</a:t>
+            </a:r>
+          </a:p>
+        </p:txBody>
+      </p:sp>
+      <p:sp>
+        <p:nvSpPr>
+          <p:cNvPr id="14" name="正方形/長方形 13">
+            <a:extLst>
+              <a:ext uri="{FF2B5EF4-FFF2-40B4-BE49-F238E27FC236}">
+                <a16:creationId xmlns:a16="http://schemas.microsoft.com/office/drawing/2014/main" id="{CB8A1C4B-8695-4466-A3D3-6AE3B9192C38}"/>
+              </a:ext>
+            </a:extLst>
+          </p:cNvPr>
+          <p:cNvSpPr/>
+          <p:nvPr/>
+        </p:nvSpPr>
+        <p:spPr>
+          <a:xfrm>
+            <a:off x="8426827" y="6320118"/>
+            <a:ext cx="3765173" cy="537881"/>
+          </a:xfrm>
+          <a:prstGeom prst="rect">
+            <a:avLst/>
+          </a:prstGeom>
+          <a:solidFill>
+            <a:schemeClr val="tx1"/>
+          </a:solidFill>
+          <a:ln>
+            <a:noFill/>
+          </a:ln>
+        </p:spPr>
+        <p:style>
+          <a:lnRef idx="2">
+            <a:schemeClr val="accent1">
+              <a:shade val="50000"/>
+            </a:schemeClr>
+          </a:lnRef>
+          <a:fillRef idx="1">
+            <a:schemeClr val="accent1"/>
+          </a:fillRef>
+          <a:effectRef idx="0">
+            <a:schemeClr val="accent1"/>
+          </a:effectRef>
+          <a:fontRef idx="minor">
+            <a:schemeClr val="lt1"/>
+          </a:fontRef>
+        </p:style>
+        <p:txBody>
+          <a:bodyPr rtlCol="0" anchor="ctr"/>
+          <a:lstStyle/>
+          <a:p>
+            <a:pPr algn="ctr"/>
+            <a:r>
+              <a:rPr kumimoji="1" lang="ja-JP" altLang="en-US" sz="2400" dirty="0"/>
+              <a:t>〇〇にオススメ！ページ</a:t>
+            </a:r>
+          </a:p>
+        </p:txBody>
+      </p:sp>
+      <p:sp>
+        <p:nvSpPr>
+          <p:cNvPr id="15" name="正方形/長方形 14">
+            <a:extLst>
+              <a:ext uri="{FF2B5EF4-FFF2-40B4-BE49-F238E27FC236}">
+                <a16:creationId xmlns:a16="http://schemas.microsoft.com/office/drawing/2014/main" id="{C8318B34-78EA-4BDE-ACBC-B781D8D91219}"/>
+              </a:ext>
+            </a:extLst>
+          </p:cNvPr>
+          <p:cNvSpPr/>
+          <p:nvPr/>
+        </p:nvSpPr>
+        <p:spPr>
+          <a:xfrm>
+            <a:off x="17929" y="3469991"/>
+            <a:ext cx="3218330" cy="708213"/>
+          </a:xfrm>
+          <a:prstGeom prst="rect">
+            <a:avLst/>
+          </a:prstGeom>
+          <a:solidFill>
+            <a:schemeClr val="tx1"/>
+          </a:solidFill>
+          <a:ln>
+            <a:noFill/>
+          </a:ln>
+        </p:spPr>
+        <p:style>
+          <a:lnRef idx="2">
+            <a:schemeClr val="accent1">
+              <a:shade val="50000"/>
+            </a:schemeClr>
+          </a:lnRef>
+          <a:fillRef idx="1">
+            <a:schemeClr val="accent1"/>
+          </a:fillRef>
+          <a:effectRef idx="0">
+            <a:schemeClr val="accent1"/>
+          </a:effectRef>
+          <a:fontRef idx="minor">
+            <a:schemeClr val="lt1"/>
+          </a:fontRef>
+        </p:style>
+        <p:txBody>
+          <a:bodyPr rtlCol="0" anchor="ctr"/>
+          <a:lstStyle/>
+          <a:p>
+            <a:pPr algn="ctr"/>
+            <a:r>
+              <a:rPr lang="ja-JP" altLang="en-US" sz="3600" dirty="0"/>
+              <a:t>こだわ</a:t>
+            </a:r>
+            <a:r>
+              <a:rPr kumimoji="1" lang="ja-JP" altLang="en-US" sz="3600" dirty="0"/>
+              <a:t>り検索</a:t>
+            </a:r>
+          </a:p>
+        </p:txBody>
+      </p:sp>
+      <p:sp>
+        <p:nvSpPr>
+          <p:cNvPr id="29" name="正方形/長方形 28">
+            <a:extLst>
+              <a:ext uri="{FF2B5EF4-FFF2-40B4-BE49-F238E27FC236}">
+                <a16:creationId xmlns:a16="http://schemas.microsoft.com/office/drawing/2014/main" id="{2589E7FB-2FA8-45BD-A357-4AD930DC7A82}"/>
+              </a:ext>
+            </a:extLst>
+          </p:cNvPr>
+          <p:cNvSpPr/>
+          <p:nvPr/>
+        </p:nvSpPr>
+        <p:spPr>
+          <a:xfrm>
+            <a:off x="17929" y="5441574"/>
+            <a:ext cx="3218330" cy="1416426"/>
+          </a:xfrm>
+          <a:prstGeom prst="rect">
+            <a:avLst/>
+          </a:prstGeom>
+          <a:solidFill>
+            <a:schemeClr val="tx1"/>
+          </a:solidFill>
+          <a:ln>
+            <a:noFill/>
+          </a:ln>
+        </p:spPr>
+        <p:style>
+          <a:lnRef idx="2">
+            <a:schemeClr val="accent1">
+              <a:shade val="50000"/>
+            </a:schemeClr>
+          </a:lnRef>
+          <a:fillRef idx="1">
+            <a:schemeClr val="accent1"/>
+          </a:fillRef>
+          <a:effectRef idx="0">
+            <a:schemeClr val="accent1"/>
+          </a:effectRef>
+          <a:fontRef idx="minor">
+            <a:schemeClr val="lt1"/>
+          </a:fontRef>
+        </p:style>
+        <p:txBody>
+          <a:bodyPr rtlCol="0" anchor="ctr"/>
+          <a:lstStyle/>
+          <a:p>
+            <a:pPr algn="ctr"/>
+            <a:r>
+              <a:rPr lang="ja-JP" altLang="en-US" sz="3600" dirty="0"/>
+              <a:t>店舗詳細</a:t>
+            </a:r>
+            <a:endParaRPr lang="en-US" altLang="ja-JP" sz="3600" dirty="0"/>
+          </a:p>
+          <a:p>
+            <a:pPr algn="ctr"/>
+            <a:r>
+              <a:rPr lang="ja-JP" altLang="en-US" sz="3600" dirty="0"/>
+              <a:t>ページ</a:t>
+            </a:r>
+            <a:endParaRPr kumimoji="1" lang="ja-JP" altLang="en-US" sz="3600" dirty="0"/>
+          </a:p>
+        </p:txBody>
+      </p:sp>
+      <p:cxnSp>
+        <p:nvCxnSpPr>
+          <p:cNvPr id="41" name="直線矢印コネクタ 40">
+            <a:extLst>
+              <a:ext uri="{FF2B5EF4-FFF2-40B4-BE49-F238E27FC236}">
+                <a16:creationId xmlns:a16="http://schemas.microsoft.com/office/drawing/2014/main" id="{6D092CC3-42B3-4EEA-AE86-B668AAD55BBA}"/>
+              </a:ext>
+            </a:extLst>
+          </p:cNvPr>
+          <p:cNvCxnSpPr>
+            <a:cxnSpLocks/>
+            <a:stCxn id="15" idx="2"/>
+            <a:endCxn id="29" idx="0"/>
+          </p:cNvCxnSpPr>
+          <p:nvPr/>
+        </p:nvCxnSpPr>
+        <p:spPr>
+          <a:xfrm>
+            <a:off x="1627094" y="4178204"/>
+            <a:ext cx="0" cy="1263370"/>
+          </a:xfrm>
+          <a:prstGeom prst="straightConnector1">
+            <a:avLst/>
+          </a:prstGeom>
+          <a:ln w="76200">
+            <a:tailEnd type="triangle"/>
+          </a:ln>
+        </p:spPr>
+        <p:style>
+          <a:lnRef idx="1">
+            <a:schemeClr val="accent1"/>
+          </a:lnRef>
+          <a:fillRef idx="0">
+            <a:schemeClr val="accent1"/>
+          </a:fillRef>
+          <a:effectRef idx="0">
+            <a:schemeClr val="accent1"/>
+          </a:effectRef>
+          <a:fontRef idx="minor">
+            <a:schemeClr val="tx1"/>
+          </a:fontRef>
+        </p:style>
+      </p:cxnSp>
+      <p:cxnSp>
+        <p:nvCxnSpPr>
+          <p:cNvPr id="45" name="直線矢印コネクタ 44">
+            <a:extLst>
+              <a:ext uri="{FF2B5EF4-FFF2-40B4-BE49-F238E27FC236}">
+                <a16:creationId xmlns:a16="http://schemas.microsoft.com/office/drawing/2014/main" id="{EBC1B194-13D7-40E1-9E06-CD09EBDFC398}"/>
+              </a:ext>
+            </a:extLst>
+          </p:cNvPr>
+          <p:cNvCxnSpPr>
+            <a:cxnSpLocks/>
+            <a:stCxn id="13" idx="2"/>
+          </p:cNvCxnSpPr>
+          <p:nvPr/>
+        </p:nvCxnSpPr>
+        <p:spPr>
+          <a:xfrm>
+            <a:off x="10582835" y="4164103"/>
+            <a:ext cx="0" cy="1044393"/>
+          </a:xfrm>
+          <a:prstGeom prst="straightConnector1">
+            <a:avLst/>
+          </a:prstGeom>
+          <a:ln w="76200">
+            <a:tailEnd type="triangle"/>
+          </a:ln>
+        </p:spPr>
+        <p:style>
+          <a:lnRef idx="1">
+            <a:schemeClr val="accent1"/>
+          </a:lnRef>
+          <a:fillRef idx="0">
+            <a:schemeClr val="accent1"/>
+          </a:fillRef>
+          <a:effectRef idx="0">
+            <a:schemeClr val="accent1"/>
+          </a:effectRef>
+          <a:fontRef idx="minor">
+            <a:schemeClr val="tx1"/>
+          </a:fontRef>
+        </p:style>
+      </p:cxnSp>
+      <p:cxnSp>
+        <p:nvCxnSpPr>
+          <p:cNvPr id="48" name="直線矢印コネクタ 47">
+            <a:extLst>
+              <a:ext uri="{FF2B5EF4-FFF2-40B4-BE49-F238E27FC236}">
+                <a16:creationId xmlns:a16="http://schemas.microsoft.com/office/drawing/2014/main" id="{3E3E9160-2E8E-45DE-95FD-C8E38FDFE03B}"/>
+              </a:ext>
+            </a:extLst>
+          </p:cNvPr>
+          <p:cNvCxnSpPr>
+            <a:cxnSpLocks/>
+            <a:endCxn id="13" idx="0"/>
+          </p:cNvCxnSpPr>
+          <p:nvPr/>
+        </p:nvCxnSpPr>
+        <p:spPr>
+          <a:xfrm>
+            <a:off x="3218331" y="1990161"/>
+            <a:ext cx="7364504" cy="1465729"/>
+          </a:xfrm>
+          <a:prstGeom prst="straightConnector1">
+            <a:avLst/>
+          </a:prstGeom>
+          <a:ln w="76200">
+            <a:tailEnd type="triangle"/>
+          </a:ln>
+        </p:spPr>
+        <p:style>
+          <a:lnRef idx="1">
+            <a:schemeClr val="accent1"/>
+          </a:lnRef>
+          <a:fillRef idx="0">
+            <a:schemeClr val="accent1"/>
+          </a:fillRef>
+          <a:effectRef idx="0">
+            <a:schemeClr val="accent1"/>
+          </a:effectRef>
+          <a:fontRef idx="minor">
+            <a:schemeClr val="tx1"/>
+          </a:fontRef>
+        </p:style>
+      </p:cxnSp>
+      <p:cxnSp>
+        <p:nvCxnSpPr>
+          <p:cNvPr id="52" name="直線矢印コネクタ 51">
+            <a:extLst>
+              <a:ext uri="{FF2B5EF4-FFF2-40B4-BE49-F238E27FC236}">
+                <a16:creationId xmlns:a16="http://schemas.microsoft.com/office/drawing/2014/main" id="{840F012B-AEB6-4BBE-9429-292A44BD7CBA}"/>
+              </a:ext>
+            </a:extLst>
+          </p:cNvPr>
+          <p:cNvCxnSpPr>
+            <a:cxnSpLocks/>
+            <a:stCxn id="5" idx="3"/>
+            <a:endCxn id="12" idx="1"/>
+          </p:cNvCxnSpPr>
+          <p:nvPr/>
+        </p:nvCxnSpPr>
+        <p:spPr>
+          <a:xfrm flipV="1">
+            <a:off x="3236259" y="1636054"/>
+            <a:ext cx="5038165" cy="5"/>
+          </a:xfrm>
+          <a:prstGeom prst="straightConnector1">
+            <a:avLst/>
+          </a:prstGeom>
+          <a:ln w="76200">
+            <a:tailEnd type="triangle"/>
+          </a:ln>
+        </p:spPr>
+        <p:style>
+          <a:lnRef idx="1">
+            <a:schemeClr val="accent1"/>
+          </a:lnRef>
+          <a:fillRef idx="0">
+            <a:schemeClr val="accent1"/>
+          </a:fillRef>
+          <a:effectRef idx="0">
+            <a:schemeClr val="accent1"/>
+          </a:effectRef>
+          <a:fontRef idx="minor">
+            <a:schemeClr val="tx1"/>
+          </a:fontRef>
+        </p:style>
+      </p:cxnSp>
+      <p:cxnSp>
+        <p:nvCxnSpPr>
+          <p:cNvPr id="55" name="直線矢印コネクタ 54">
+            <a:extLst>
+              <a:ext uri="{FF2B5EF4-FFF2-40B4-BE49-F238E27FC236}">
+                <a16:creationId xmlns:a16="http://schemas.microsoft.com/office/drawing/2014/main" id="{FF70903F-BC37-4469-88B6-7C0415FC4E4A}"/>
+              </a:ext>
+            </a:extLst>
+          </p:cNvPr>
+          <p:cNvCxnSpPr>
+            <a:cxnSpLocks/>
+            <a:stCxn id="5" idx="2"/>
+            <a:endCxn id="15" idx="0"/>
+          </p:cNvCxnSpPr>
+          <p:nvPr/>
+        </p:nvCxnSpPr>
+        <p:spPr>
+          <a:xfrm>
+            <a:off x="1618130" y="1990165"/>
+            <a:ext cx="8964" cy="1479826"/>
+          </a:xfrm>
+          <a:prstGeom prst="straightConnector1">
+            <a:avLst/>
+          </a:prstGeom>
+          <a:ln w="76200">
+            <a:tailEnd type="triangle"/>
+          </a:ln>
+        </p:spPr>
+        <p:style>
+          <a:lnRef idx="1">
+            <a:schemeClr val="accent1"/>
+          </a:lnRef>
+          <a:fillRef idx="0">
+            <a:schemeClr val="accent1"/>
+          </a:fillRef>
+          <a:effectRef idx="0">
+            <a:schemeClr val="accent1"/>
+          </a:effectRef>
+          <a:fontRef idx="minor">
+            <a:schemeClr val="tx1"/>
+          </a:fontRef>
+        </p:style>
+      </p:cxnSp>
+      <p:sp>
+        <p:nvSpPr>
+          <p:cNvPr id="30" name="正方形/長方形 29">
+            <a:extLst>
+              <a:ext uri="{FF2B5EF4-FFF2-40B4-BE49-F238E27FC236}">
+                <a16:creationId xmlns:a16="http://schemas.microsoft.com/office/drawing/2014/main" id="{DD8CED83-9657-4650-8AC6-61FA9357557E}"/>
+              </a:ext>
+            </a:extLst>
+          </p:cNvPr>
+          <p:cNvSpPr/>
+          <p:nvPr/>
+        </p:nvSpPr>
+        <p:spPr>
+          <a:xfrm>
+            <a:off x="377623" y="2168196"/>
+            <a:ext cx="2498941" cy="712035"/>
+          </a:xfrm>
+          <a:prstGeom prst="rect">
+            <a:avLst/>
+          </a:prstGeom>
+          <a:solidFill>
+            <a:schemeClr val="bg1">
+              <a:lumMod val="75000"/>
+            </a:schemeClr>
+          </a:solidFill>
+          <a:ln>
+            <a:noFill/>
+          </a:ln>
+        </p:spPr>
+        <p:style>
+          <a:lnRef idx="2">
+            <a:schemeClr val="accent1">
+              <a:shade val="50000"/>
+            </a:schemeClr>
+          </a:lnRef>
+          <a:fillRef idx="1">
+            <a:schemeClr val="accent1"/>
+          </a:fillRef>
+          <a:effectRef idx="0">
+            <a:schemeClr val="accent1"/>
+          </a:effectRef>
+          <a:fontRef idx="minor">
+            <a:schemeClr val="lt1"/>
+          </a:fontRef>
+        </p:style>
+        <p:txBody>
+          <a:bodyPr rtlCol="0" anchor="ctr"/>
+          <a:lstStyle/>
+          <a:p>
+            <a:pPr algn="ctr"/>
+            <a:r>
+              <a:rPr kumimoji="1" lang="ja-JP" altLang="en-US" sz="2000" dirty="0">
+                <a:solidFill>
+                  <a:schemeClr val="tx1"/>
+                </a:solidFill>
+              </a:rPr>
+              <a:t>右下のこだわり検索ボタンをクリック</a:t>
+            </a:r>
+          </a:p>
+        </p:txBody>
+      </p:sp>
+      <p:sp>
+        <p:nvSpPr>
+          <p:cNvPr id="31" name="正方形/長方形 30">
+            <a:extLst>
+              <a:ext uri="{FF2B5EF4-FFF2-40B4-BE49-F238E27FC236}">
+                <a16:creationId xmlns:a16="http://schemas.microsoft.com/office/drawing/2014/main" id="{683F4D21-41BE-406E-9C69-FD360A844FB7}"/>
+              </a:ext>
+            </a:extLst>
+          </p:cNvPr>
+          <p:cNvSpPr/>
+          <p:nvPr/>
+        </p:nvSpPr>
+        <p:spPr>
+          <a:xfrm>
+            <a:off x="5223047" y="1280039"/>
+            <a:ext cx="2498941" cy="712035"/>
+          </a:xfrm>
+          <a:prstGeom prst="rect">
+            <a:avLst/>
+          </a:prstGeom>
+          <a:solidFill>
+            <a:schemeClr val="bg1">
+              <a:lumMod val="75000"/>
+            </a:schemeClr>
+          </a:solidFill>
+          <a:ln>
+            <a:noFill/>
+          </a:ln>
+        </p:spPr>
+        <p:style>
+          <a:lnRef idx="2">
+            <a:schemeClr val="accent1">
+              <a:shade val="50000"/>
+            </a:schemeClr>
+          </a:lnRef>
+          <a:fillRef idx="1">
+            <a:schemeClr val="accent1"/>
+          </a:fillRef>
+          <a:effectRef idx="0">
+            <a:schemeClr val="accent1"/>
+          </a:effectRef>
+          <a:fontRef idx="minor">
+            <a:schemeClr val="lt1"/>
+          </a:fontRef>
+        </p:style>
+        <p:txBody>
+          <a:bodyPr rtlCol="0" anchor="ctr"/>
+          <a:lstStyle/>
+          <a:p>
+            <a:pPr algn="ctr"/>
+            <a:r>
+              <a:rPr kumimoji="1" lang="ja-JP" altLang="en-US" sz="2000" dirty="0">
+                <a:solidFill>
+                  <a:schemeClr val="tx1"/>
+                </a:solidFill>
+              </a:rPr>
+              <a:t>右上の最寄り検索</a:t>
+            </a:r>
+            <a:endParaRPr kumimoji="1" lang="en-US" altLang="ja-JP" sz="2000" dirty="0">
+              <a:solidFill>
+                <a:schemeClr val="tx1"/>
+              </a:solidFill>
+            </a:endParaRPr>
+          </a:p>
+          <a:p>
+            <a:pPr algn="ctr"/>
+            <a:r>
+              <a:rPr kumimoji="1" lang="ja-JP" altLang="en-US" sz="2000" dirty="0">
+                <a:solidFill>
+                  <a:schemeClr val="tx1"/>
+                </a:solidFill>
+              </a:rPr>
+              <a:t>ボタンをクリック</a:t>
+            </a:r>
+          </a:p>
+        </p:txBody>
+      </p:sp>
+      <p:sp>
+        <p:nvSpPr>
+          <p:cNvPr id="32" name="正方形/長方形 31">
+            <a:extLst>
+              <a:ext uri="{FF2B5EF4-FFF2-40B4-BE49-F238E27FC236}">
+                <a16:creationId xmlns:a16="http://schemas.microsoft.com/office/drawing/2014/main" id="{0E841E7D-4FBE-400D-A066-7E7F120E1C92}"/>
+              </a:ext>
+            </a:extLst>
+          </p:cNvPr>
+          <p:cNvSpPr/>
+          <p:nvPr/>
+        </p:nvSpPr>
+        <p:spPr>
+          <a:xfrm>
+            <a:off x="5223046" y="2212032"/>
+            <a:ext cx="2498941" cy="712035"/>
+          </a:xfrm>
+          <a:prstGeom prst="rect">
+            <a:avLst/>
+          </a:prstGeom>
+          <a:solidFill>
+            <a:schemeClr val="bg1">
+              <a:lumMod val="75000"/>
+            </a:schemeClr>
+          </a:solidFill>
+          <a:ln>
+            <a:noFill/>
+          </a:ln>
+        </p:spPr>
+        <p:style>
+          <a:lnRef idx="2">
+            <a:schemeClr val="accent1">
+              <a:shade val="50000"/>
+            </a:schemeClr>
+          </a:lnRef>
+          <a:fillRef idx="1">
+            <a:schemeClr val="accent1"/>
+          </a:fillRef>
+          <a:effectRef idx="0">
+            <a:schemeClr val="accent1"/>
+          </a:effectRef>
+          <a:fontRef idx="minor">
+            <a:schemeClr val="lt1"/>
+          </a:fontRef>
+        </p:style>
+        <p:txBody>
+          <a:bodyPr rtlCol="0" anchor="ctr"/>
+          <a:lstStyle/>
+          <a:p>
+            <a:pPr algn="ctr"/>
+            <a:r>
+              <a:rPr kumimoji="1" lang="ja-JP" altLang="en-US" sz="2000" dirty="0">
+                <a:solidFill>
+                  <a:schemeClr val="tx1"/>
+                </a:solidFill>
+              </a:rPr>
+              <a:t>右のざっくり検索</a:t>
+            </a:r>
+            <a:endParaRPr kumimoji="1" lang="en-US" altLang="ja-JP" sz="2000" dirty="0">
+              <a:solidFill>
+                <a:schemeClr val="tx1"/>
+              </a:solidFill>
+            </a:endParaRPr>
+          </a:p>
+          <a:p>
+            <a:pPr algn="ctr"/>
+            <a:r>
+              <a:rPr kumimoji="1" lang="ja-JP" altLang="en-US" sz="2000" dirty="0">
+                <a:solidFill>
+                  <a:schemeClr val="tx1"/>
+                </a:solidFill>
+              </a:rPr>
+              <a:t>ボタンをクリック</a:t>
+            </a:r>
+          </a:p>
+        </p:txBody>
+      </p:sp>
+      <p:sp>
+        <p:nvSpPr>
+          <p:cNvPr id="33" name="正方形/長方形 32">
+            <a:extLst>
+              <a:ext uri="{FF2B5EF4-FFF2-40B4-BE49-F238E27FC236}">
+                <a16:creationId xmlns:a16="http://schemas.microsoft.com/office/drawing/2014/main" id="{267ADA50-A6BE-4B1E-A742-53F78F1F103F}"/>
+              </a:ext>
+            </a:extLst>
+          </p:cNvPr>
+          <p:cNvSpPr/>
+          <p:nvPr/>
+        </p:nvSpPr>
+        <p:spPr>
+          <a:xfrm>
+            <a:off x="7557799" y="4300491"/>
+            <a:ext cx="2831741" cy="712035"/>
+          </a:xfrm>
+          <a:prstGeom prst="rect">
+            <a:avLst/>
+          </a:prstGeom>
+          <a:solidFill>
+            <a:schemeClr val="bg1">
+              <a:lumMod val="75000"/>
+            </a:schemeClr>
+          </a:solidFill>
+          <a:ln>
+            <a:noFill/>
+          </a:ln>
+        </p:spPr>
+        <p:style>
+          <a:lnRef idx="2">
+            <a:schemeClr val="accent1">
+              <a:shade val="50000"/>
+            </a:schemeClr>
+          </a:lnRef>
+          <a:fillRef idx="1">
+            <a:schemeClr val="accent1"/>
+          </a:fillRef>
+          <a:effectRef idx="0">
+            <a:schemeClr val="accent1"/>
+          </a:effectRef>
+          <a:fontRef idx="minor">
+            <a:schemeClr val="lt1"/>
+          </a:fontRef>
+        </p:style>
+        <p:txBody>
+          <a:bodyPr rtlCol="0" anchor="ctr"/>
+          <a:lstStyle/>
+          <a:p>
+            <a:pPr algn="ctr"/>
+            <a:r>
+              <a:rPr kumimoji="1" lang="ja-JP" altLang="en-US" sz="2000" dirty="0">
+                <a:solidFill>
+                  <a:schemeClr val="tx1"/>
+                </a:solidFill>
+              </a:rPr>
+              <a:t>〇〇にオススメ！</a:t>
+            </a:r>
+            <a:endParaRPr kumimoji="1" lang="en-US" altLang="ja-JP" sz="2000" dirty="0">
+              <a:solidFill>
+                <a:schemeClr val="tx1"/>
+              </a:solidFill>
+            </a:endParaRPr>
+          </a:p>
+          <a:p>
+            <a:pPr algn="ctr"/>
+            <a:r>
+              <a:rPr lang="ja-JP" altLang="en-US" sz="2000" dirty="0">
+                <a:solidFill>
+                  <a:schemeClr val="tx1"/>
+                </a:solidFill>
+              </a:rPr>
+              <a:t>の中から一つクリック</a:t>
+            </a:r>
+            <a:endParaRPr kumimoji="1" lang="ja-JP" altLang="en-US" sz="2000" dirty="0">
+              <a:solidFill>
+                <a:schemeClr val="tx1"/>
+              </a:solidFill>
+            </a:endParaRPr>
+          </a:p>
+        </p:txBody>
+      </p:sp>
+      <p:sp>
+        <p:nvSpPr>
+          <p:cNvPr id="40" name="正方形/長方形 39">
+            <a:extLst>
+              <a:ext uri="{FF2B5EF4-FFF2-40B4-BE49-F238E27FC236}">
+                <a16:creationId xmlns:a16="http://schemas.microsoft.com/office/drawing/2014/main" id="{BAD12ED2-9D46-4098-9355-B180DE9B0C65}"/>
+              </a:ext>
+            </a:extLst>
+          </p:cNvPr>
+          <p:cNvSpPr/>
+          <p:nvPr/>
+        </p:nvSpPr>
+        <p:spPr>
+          <a:xfrm>
+            <a:off x="377623" y="4348500"/>
+            <a:ext cx="2498941" cy="712035"/>
+          </a:xfrm>
+          <a:prstGeom prst="rect">
+            <a:avLst/>
+          </a:prstGeom>
+          <a:solidFill>
+            <a:schemeClr val="bg1">
+              <a:lumMod val="75000"/>
+            </a:schemeClr>
+          </a:solidFill>
+          <a:ln>
+            <a:noFill/>
+          </a:ln>
+        </p:spPr>
+        <p:style>
+          <a:lnRef idx="2">
+            <a:schemeClr val="accent1">
+              <a:shade val="50000"/>
+            </a:schemeClr>
+          </a:lnRef>
+          <a:fillRef idx="1">
+            <a:schemeClr val="accent1"/>
+          </a:fillRef>
+          <a:effectRef idx="0">
+            <a:schemeClr val="accent1"/>
+          </a:effectRef>
+          <a:fontRef idx="minor">
+            <a:schemeClr val="lt1"/>
+          </a:fontRef>
+        </p:style>
+        <p:txBody>
+          <a:bodyPr rtlCol="0" anchor="ctr"/>
+          <a:lstStyle/>
+          <a:p>
+            <a:pPr algn="ctr"/>
+            <a:r>
+              <a:rPr kumimoji="1" lang="ja-JP" altLang="en-US" sz="2000" dirty="0">
+                <a:solidFill>
+                  <a:schemeClr val="tx1"/>
+                </a:solidFill>
+              </a:rPr>
+              <a:t>検索結果の</a:t>
+            </a:r>
+            <a:endParaRPr kumimoji="1" lang="en-US" altLang="ja-JP" sz="2000" dirty="0">
+              <a:solidFill>
+                <a:schemeClr val="tx1"/>
+              </a:solidFill>
+            </a:endParaRPr>
+          </a:p>
+          <a:p>
+            <a:pPr algn="ctr"/>
+            <a:r>
+              <a:rPr lang="ja-JP" altLang="en-US" sz="2000" dirty="0">
+                <a:solidFill>
+                  <a:schemeClr val="tx1"/>
+                </a:solidFill>
+              </a:rPr>
+              <a:t>パネルをクリック</a:t>
+            </a:r>
+            <a:endParaRPr kumimoji="1" lang="ja-JP" altLang="en-US" sz="2000" dirty="0">
+              <a:solidFill>
+                <a:schemeClr val="tx1"/>
+              </a:solidFill>
+            </a:endParaRPr>
+          </a:p>
+        </p:txBody>
+      </p:sp>
+      <p:sp>
+        <p:nvSpPr>
+          <p:cNvPr id="42" name="正方形/長方形 41">
+            <a:extLst>
+              <a:ext uri="{FF2B5EF4-FFF2-40B4-BE49-F238E27FC236}">
+                <a16:creationId xmlns:a16="http://schemas.microsoft.com/office/drawing/2014/main" id="{D110E38C-5283-4503-8F62-34E608A82AA3}"/>
+              </a:ext>
+            </a:extLst>
+          </p:cNvPr>
+          <p:cNvSpPr/>
+          <p:nvPr/>
+        </p:nvSpPr>
+        <p:spPr>
+          <a:xfrm>
+            <a:off x="8426826" y="5764307"/>
+            <a:ext cx="3765173" cy="537881"/>
+          </a:xfrm>
+          <a:prstGeom prst="rect">
+            <a:avLst/>
+          </a:prstGeom>
+          <a:solidFill>
+            <a:schemeClr val="tx1"/>
+          </a:solidFill>
+          <a:ln>
+            <a:noFill/>
+          </a:ln>
+        </p:spPr>
+        <p:style>
+          <a:lnRef idx="2">
+            <a:schemeClr val="accent1">
+              <a:shade val="50000"/>
+            </a:schemeClr>
+          </a:lnRef>
+          <a:fillRef idx="1">
+            <a:schemeClr val="accent1"/>
+          </a:fillRef>
+          <a:effectRef idx="0">
+            <a:schemeClr val="accent1"/>
+          </a:effectRef>
+          <a:fontRef idx="minor">
+            <a:schemeClr val="lt1"/>
+          </a:fontRef>
+        </p:style>
+        <p:txBody>
+          <a:bodyPr rtlCol="0" anchor="ctr"/>
+          <a:lstStyle/>
+          <a:p>
+            <a:pPr algn="ctr"/>
+            <a:r>
+              <a:rPr kumimoji="1" lang="ja-JP" altLang="en-US" sz="2400" dirty="0"/>
+              <a:t>〇〇にオススメ！ページ</a:t>
+            </a:r>
+          </a:p>
+        </p:txBody>
+      </p:sp>
+      <p:sp>
+        <p:nvSpPr>
+          <p:cNvPr id="43" name="正方形/長方形 42">
+            <a:extLst>
+              <a:ext uri="{FF2B5EF4-FFF2-40B4-BE49-F238E27FC236}">
+                <a16:creationId xmlns:a16="http://schemas.microsoft.com/office/drawing/2014/main" id="{0CF7F037-F724-472B-B7B5-A1223EE2D66F}"/>
+              </a:ext>
+            </a:extLst>
+          </p:cNvPr>
+          <p:cNvSpPr/>
+          <p:nvPr/>
+        </p:nvSpPr>
+        <p:spPr>
+          <a:xfrm>
+            <a:off x="8426827" y="5208496"/>
+            <a:ext cx="3765173" cy="537881"/>
+          </a:xfrm>
+          <a:prstGeom prst="rect">
+            <a:avLst/>
+          </a:prstGeom>
+          <a:solidFill>
+            <a:schemeClr val="tx1"/>
+          </a:solidFill>
+          <a:ln>
+            <a:noFill/>
+          </a:ln>
+        </p:spPr>
+        <p:style>
+          <a:lnRef idx="2">
+            <a:schemeClr val="accent1">
+              <a:shade val="50000"/>
+            </a:schemeClr>
+          </a:lnRef>
+          <a:fillRef idx="1">
+            <a:schemeClr val="accent1"/>
+          </a:fillRef>
+          <a:effectRef idx="0">
+            <a:schemeClr val="accent1"/>
+          </a:effectRef>
+          <a:fontRef idx="minor">
+            <a:schemeClr val="lt1"/>
+          </a:fontRef>
+        </p:style>
+        <p:txBody>
+          <a:bodyPr rtlCol="0" anchor="ctr"/>
+          <a:lstStyle/>
+          <a:p>
+            <a:pPr algn="ctr"/>
+            <a:r>
+              <a:rPr kumimoji="1" lang="ja-JP" altLang="en-US" sz="2400" dirty="0"/>
+              <a:t>〇〇にオススメ！ページ</a:t>
+            </a:r>
+          </a:p>
+        </p:txBody>
+      </p:sp>
+      <p:sp>
+        <p:nvSpPr>
+          <p:cNvPr id="46" name="正方形/長方形 45">
+            <a:extLst>
+              <a:ext uri="{FF2B5EF4-FFF2-40B4-BE49-F238E27FC236}">
+                <a16:creationId xmlns:a16="http://schemas.microsoft.com/office/drawing/2014/main" id="{77ADA48B-2623-4BFC-B091-48ED13331C84}"/>
+              </a:ext>
+            </a:extLst>
+          </p:cNvPr>
+          <p:cNvSpPr/>
+          <p:nvPr/>
+        </p:nvSpPr>
+        <p:spPr>
+          <a:xfrm>
+            <a:off x="4565005" y="6320118"/>
+            <a:ext cx="3765173" cy="537881"/>
+          </a:xfrm>
+          <a:prstGeom prst="rect">
+            <a:avLst/>
+          </a:prstGeom>
+          <a:solidFill>
+            <a:schemeClr val="tx1"/>
+          </a:solidFill>
+          <a:ln>
+            <a:noFill/>
+          </a:ln>
+        </p:spPr>
+        <p:style>
+          <a:lnRef idx="2">
+            <a:schemeClr val="accent1">
+              <a:shade val="50000"/>
+            </a:schemeClr>
+          </a:lnRef>
+          <a:fillRef idx="1">
+            <a:schemeClr val="accent1"/>
+          </a:fillRef>
+          <a:effectRef idx="0">
+            <a:schemeClr val="accent1"/>
+          </a:effectRef>
+          <a:fontRef idx="minor">
+            <a:schemeClr val="lt1"/>
+          </a:fontRef>
+        </p:style>
+        <p:txBody>
+          <a:bodyPr rtlCol="0" anchor="ctr"/>
+          <a:lstStyle/>
+          <a:p>
+            <a:pPr algn="ctr"/>
+            <a:r>
+              <a:rPr kumimoji="1" lang="ja-JP" altLang="en-US" sz="2400" dirty="0"/>
+              <a:t>〇〇にオススメ！ページ</a:t>
+            </a:r>
+          </a:p>
+        </p:txBody>
+      </p:sp>
+      <p:sp>
+        <p:nvSpPr>
+          <p:cNvPr id="47" name="正方形/長方形 46">
+            <a:extLst>
+              <a:ext uri="{FF2B5EF4-FFF2-40B4-BE49-F238E27FC236}">
+                <a16:creationId xmlns:a16="http://schemas.microsoft.com/office/drawing/2014/main" id="{16D0688D-56E1-4D78-AA4E-2D5688C33A1D}"/>
+              </a:ext>
+            </a:extLst>
+          </p:cNvPr>
+          <p:cNvSpPr/>
+          <p:nvPr/>
+        </p:nvSpPr>
+        <p:spPr>
+          <a:xfrm>
+            <a:off x="4565004" y="5764307"/>
+            <a:ext cx="3765173" cy="537881"/>
+          </a:xfrm>
+          <a:prstGeom prst="rect">
+            <a:avLst/>
+          </a:prstGeom>
+          <a:solidFill>
+            <a:schemeClr val="tx1"/>
+          </a:solidFill>
+          <a:ln>
+            <a:noFill/>
+          </a:ln>
+        </p:spPr>
+        <p:style>
+          <a:lnRef idx="2">
+            <a:schemeClr val="accent1">
+              <a:shade val="50000"/>
+            </a:schemeClr>
+          </a:lnRef>
+          <a:fillRef idx="1">
+            <a:schemeClr val="accent1"/>
+          </a:fillRef>
+          <a:effectRef idx="0">
+            <a:schemeClr val="accent1"/>
+          </a:effectRef>
+          <a:fontRef idx="minor">
+            <a:schemeClr val="lt1"/>
+          </a:fontRef>
+        </p:style>
+        <p:txBody>
+          <a:bodyPr rtlCol="0" anchor="ctr"/>
+          <a:lstStyle/>
+          <a:p>
+            <a:pPr algn="ctr"/>
+            <a:r>
+              <a:rPr kumimoji="1" lang="ja-JP" altLang="en-US" sz="2400" dirty="0"/>
+              <a:t>〇〇にオススメ！ページ</a:t>
+            </a:r>
+          </a:p>
+        </p:txBody>
+      </p:sp>
+      <p:sp>
+        <p:nvSpPr>
+          <p:cNvPr id="49" name="正方形/長方形 48">
+            <a:extLst>
+              <a:ext uri="{FF2B5EF4-FFF2-40B4-BE49-F238E27FC236}">
+                <a16:creationId xmlns:a16="http://schemas.microsoft.com/office/drawing/2014/main" id="{76676D99-B997-41D0-8B8E-CAC6C9D336A3}"/>
+              </a:ext>
+            </a:extLst>
+          </p:cNvPr>
+          <p:cNvSpPr/>
+          <p:nvPr/>
+        </p:nvSpPr>
+        <p:spPr>
+          <a:xfrm>
+            <a:off x="4565005" y="5208496"/>
+            <a:ext cx="3765173" cy="537881"/>
+          </a:xfrm>
+          <a:prstGeom prst="rect">
+            <a:avLst/>
+          </a:prstGeom>
+          <a:solidFill>
+            <a:schemeClr val="tx1"/>
+          </a:solidFill>
+          <a:ln>
+            <a:noFill/>
+          </a:ln>
+        </p:spPr>
+        <p:style>
+          <a:lnRef idx="2">
+            <a:schemeClr val="accent1">
+              <a:shade val="50000"/>
+            </a:schemeClr>
+          </a:lnRef>
+          <a:fillRef idx="1">
+            <a:schemeClr val="accent1"/>
+          </a:fillRef>
+          <a:effectRef idx="0">
+            <a:schemeClr val="accent1"/>
+          </a:effectRef>
+          <a:fontRef idx="minor">
+            <a:schemeClr val="lt1"/>
+          </a:fontRef>
+        </p:style>
+        <p:txBody>
+          <a:bodyPr rtlCol="0" anchor="ctr"/>
+          <a:lstStyle/>
+          <a:p>
+            <a:pPr algn="ctr"/>
+            <a:r>
+              <a:rPr kumimoji="1" lang="ja-JP" altLang="en-US" sz="2400" dirty="0"/>
+              <a:t>〇〇にオススメ！ページ</a:t>
+            </a:r>
           </a:p>
         </p:txBody>
       </p:sp>
     </p:spTree>
     <p:extLst>
       <p:ext uri="{BB962C8B-B14F-4D97-AF65-F5344CB8AC3E}">
-        <p14:creationId xmlns:p14="http://schemas.microsoft.com/office/powerpoint/2010/main" val="332050778"/>
+        <p14:creationId xmlns:p14="http://schemas.microsoft.com/office/powerpoint/2010/main" val="232800383"/>
       </p:ext>
     </p:extLst>
   </p:cSld>
@@ -4731,8 +5710,8 @@
         </p:nvSpPr>
         <p:spPr>
           <a:xfrm>
-            <a:off x="0" y="0"/>
-            <a:ext cx="8256494" cy="833718"/>
+            <a:off x="0" y="555812"/>
+            <a:ext cx="5746376" cy="5746376"/>
           </a:xfrm>
           <a:prstGeom prst="rect">
             <a:avLst/>
@@ -4766,8 +5745,32 @@
           <a:p>
             <a:pPr algn="ctr"/>
             <a:r>
+              <a:rPr kumimoji="1" lang="ja-JP" altLang="en-US" sz="4800" dirty="0"/>
+              <a:t>トップページ</a:t>
+            </a:r>
+            <a:endParaRPr kumimoji="1" lang="en-US" altLang="ja-JP" sz="4800" dirty="0"/>
+          </a:p>
+          <a:p>
+            <a:pPr algn="ctr"/>
+            <a:r>
+              <a:rPr kumimoji="1" lang="ja-JP" altLang="en-US" sz="4800" dirty="0"/>
+              <a:t>津田沼駅周辺の</a:t>
+            </a:r>
+            <a:endParaRPr kumimoji="1" lang="en-US" altLang="ja-JP" sz="4800" dirty="0"/>
+          </a:p>
+          <a:p>
+            <a:pPr algn="ctr"/>
+            <a:r>
               <a:rPr lang="ja-JP" altLang="en-US" sz="4800" dirty="0"/>
-              <a:t>ざっくり検索</a:t>
+              <a:t>ラーメン検索</a:t>
+            </a:r>
+            <a:endParaRPr lang="en-US" altLang="ja-JP" sz="4800" dirty="0"/>
+          </a:p>
+          <a:p>
+            <a:pPr algn="ctr"/>
+            <a:r>
+              <a:rPr kumimoji="1" lang="ja-JP" altLang="en-US" sz="4800" dirty="0"/>
+              <a:t>サイト</a:t>
             </a:r>
           </a:p>
         </p:txBody>
@@ -4786,7 +5789,7 @@
         </p:nvSpPr>
         <p:spPr>
           <a:xfrm>
-            <a:off x="0" y="1281952"/>
+            <a:off x="6445624" y="555813"/>
             <a:ext cx="5746376" cy="1452284"/>
           </a:xfrm>
           <a:prstGeom prst="rect">
@@ -4820,9 +5823,17 @@
           <a:lstStyle/>
           <a:p>
             <a:r>
-              <a:rPr kumimoji="1" lang="ja-JP" altLang="en-US" sz="3600" dirty="0"/>
-              <a:t>男子学生にオススメ！</a:t>
-            </a:r>
+              <a:rPr lang="ja-JP" altLang="en-US" sz="4400" dirty="0"/>
+              <a:t>最寄り検索</a:t>
+            </a:r>
+            <a:endParaRPr lang="en-US" altLang="ja-JP" sz="4400" dirty="0"/>
+          </a:p>
+          <a:p>
+            <a:r>
+              <a:rPr lang="ja-JP" altLang="en-US" sz="2800" dirty="0"/>
+              <a:t>最寄りの店を検索</a:t>
+            </a:r>
+            <a:endParaRPr kumimoji="1" lang="ja-JP" altLang="en-US" sz="2800" dirty="0"/>
           </a:p>
         </p:txBody>
       </p:sp>
@@ -4840,7 +5851,7 @@
         </p:nvSpPr>
         <p:spPr>
           <a:xfrm>
-            <a:off x="6445624" y="1281953"/>
+            <a:off x="6445624" y="2698376"/>
             <a:ext cx="5746376" cy="1452283"/>
           </a:xfrm>
           <a:prstGeom prst="rect">
@@ -4874,19 +5885,24 @@
           <a:lstStyle/>
           <a:p>
             <a:r>
-              <a:rPr lang="ja-JP" altLang="en-US" sz="3200" dirty="0"/>
-              <a:t>女大学生にオススメ！</a:t>
-            </a:r>
-            <a:endParaRPr kumimoji="1" lang="ja-JP" altLang="en-US" dirty="0"/>
-          </a:p>
-        </p:txBody>
-      </p:sp>
-      <p:sp>
-        <p:nvSpPr>
-          <p:cNvPr id="8" name="正方形/長方形 7">
-            <a:extLst>
-              <a:ext uri="{FF2B5EF4-FFF2-40B4-BE49-F238E27FC236}">
-                <a16:creationId xmlns:a16="http://schemas.microsoft.com/office/drawing/2014/main" id="{99C4ABAD-803B-4DFC-8ED1-BFA9808F7038}"/>
+              <a:rPr lang="ja-JP" altLang="en-US" sz="4400" dirty="0"/>
+              <a:t>ざっくり検索</a:t>
+            </a:r>
+          </a:p>
+          <a:p>
+            <a:r>
+              <a:rPr kumimoji="1" lang="ja-JP" altLang="en-US" sz="2800" dirty="0"/>
+              <a:t>オススメの店を紹介</a:t>
+            </a:r>
+          </a:p>
+        </p:txBody>
+      </p:sp>
+      <p:sp>
+        <p:nvSpPr>
+          <p:cNvPr id="7" name="正方形/長方形 6">
+            <a:extLst>
+              <a:ext uri="{FF2B5EF4-FFF2-40B4-BE49-F238E27FC236}">
+                <a16:creationId xmlns:a16="http://schemas.microsoft.com/office/drawing/2014/main" id="{B8FD280F-FE5A-4B95-B161-32F73D5ECDC1}"/>
               </a:ext>
             </a:extLst>
           </p:cNvPr>
@@ -4895,61 +5911,7 @@
         </p:nvSpPr>
         <p:spPr>
           <a:xfrm>
-            <a:off x="0" y="3182469"/>
-            <a:ext cx="5746376" cy="1452284"/>
-          </a:xfrm>
-          <a:prstGeom prst="rect">
-            <a:avLst/>
-          </a:prstGeom>
-          <a:solidFill>
-            <a:schemeClr val="tx1"/>
-          </a:solidFill>
-          <a:ln>
-            <a:noFill/>
-          </a:ln>
-        </p:spPr>
-        <p:style>
-          <a:lnRef idx="2">
-            <a:schemeClr val="accent1">
-              <a:shade val="50000"/>
-            </a:schemeClr>
-          </a:lnRef>
-          <a:fillRef idx="1">
-            <a:schemeClr val="accent1"/>
-          </a:fillRef>
-          <a:effectRef idx="0">
-            <a:schemeClr val="accent1"/>
-          </a:effectRef>
-          <a:fontRef idx="minor">
-            <a:schemeClr val="lt1"/>
-          </a:fontRef>
-        </p:style>
-        <p:txBody>
-          <a:bodyPr rtlCol="0" anchor="ctr"/>
-          <a:lstStyle/>
-          <a:p>
-            <a:r>
-              <a:rPr kumimoji="1" lang="ja-JP" altLang="en-US" sz="3600" dirty="0"/>
-              <a:t>サラリーマンにオススメ！</a:t>
-            </a:r>
-          </a:p>
-        </p:txBody>
-      </p:sp>
-      <p:sp>
-        <p:nvSpPr>
-          <p:cNvPr id="9" name="正方形/長方形 8">
-            <a:extLst>
-              <a:ext uri="{FF2B5EF4-FFF2-40B4-BE49-F238E27FC236}">
-                <a16:creationId xmlns:a16="http://schemas.microsoft.com/office/drawing/2014/main" id="{7AC963F0-19AB-4857-9FC1-C512D4A631C4}"/>
-              </a:ext>
-            </a:extLst>
-          </p:cNvPr>
-          <p:cNvSpPr/>
-          <p:nvPr/>
-        </p:nvSpPr>
-        <p:spPr>
-          <a:xfrm>
-            <a:off x="6445624" y="3182470"/>
+            <a:off x="6445624" y="4849905"/>
             <a:ext cx="5746376" cy="1452283"/>
           </a:xfrm>
           <a:prstGeom prst="rect">
@@ -4983,189 +5945,23 @@
           <a:lstStyle/>
           <a:p>
             <a:r>
-              <a:rPr lang="en-US" altLang="ja-JP" sz="3200" dirty="0"/>
-              <a:t>OL</a:t>
-            </a:r>
-            <a:r>
-              <a:rPr lang="ja-JP" altLang="en-US" sz="3200" dirty="0"/>
-              <a:t>にオススメ！</a:t>
-            </a:r>
-            <a:endParaRPr kumimoji="1" lang="ja-JP" altLang="en-US" dirty="0"/>
-          </a:p>
-        </p:txBody>
-      </p:sp>
-      <p:sp>
-        <p:nvSpPr>
-          <p:cNvPr id="10" name="正方形/長方形 9">
-            <a:extLst>
-              <a:ext uri="{FF2B5EF4-FFF2-40B4-BE49-F238E27FC236}">
-                <a16:creationId xmlns:a16="http://schemas.microsoft.com/office/drawing/2014/main" id="{515E5F99-28A7-4342-B804-627FFF14F398}"/>
-              </a:ext>
-            </a:extLst>
-          </p:cNvPr>
-          <p:cNvSpPr/>
-          <p:nvPr/>
-        </p:nvSpPr>
-        <p:spPr>
-          <a:xfrm>
-            <a:off x="0" y="5082986"/>
-            <a:ext cx="5746376" cy="1452284"/>
-          </a:xfrm>
-          <a:prstGeom prst="rect">
-            <a:avLst/>
-          </a:prstGeom>
-          <a:solidFill>
-            <a:schemeClr val="tx1"/>
-          </a:solidFill>
-          <a:ln>
-            <a:noFill/>
-          </a:ln>
-        </p:spPr>
-        <p:style>
-          <a:lnRef idx="2">
-            <a:schemeClr val="accent1">
-              <a:shade val="50000"/>
-            </a:schemeClr>
-          </a:lnRef>
-          <a:fillRef idx="1">
-            <a:schemeClr val="accent1"/>
-          </a:fillRef>
-          <a:effectRef idx="0">
-            <a:schemeClr val="accent1"/>
-          </a:effectRef>
-          <a:fontRef idx="minor">
-            <a:schemeClr val="lt1"/>
-          </a:fontRef>
-        </p:style>
-        <p:txBody>
-          <a:bodyPr rtlCol="0" anchor="ctr"/>
-          <a:lstStyle/>
-          <a:p>
-            <a:r>
-              <a:rPr lang="ja-JP" altLang="en-US" sz="3600" dirty="0"/>
-              <a:t>観光客</a:t>
-            </a:r>
-            <a:r>
-              <a:rPr kumimoji="1" lang="ja-JP" altLang="en-US" sz="3600" dirty="0"/>
-              <a:t>にオススメ！</a:t>
-            </a:r>
-          </a:p>
-        </p:txBody>
-      </p:sp>
-      <p:sp>
-        <p:nvSpPr>
-          <p:cNvPr id="11" name="正方形/長方形 10">
-            <a:extLst>
-              <a:ext uri="{FF2B5EF4-FFF2-40B4-BE49-F238E27FC236}">
-                <a16:creationId xmlns:a16="http://schemas.microsoft.com/office/drawing/2014/main" id="{A0078301-8B7C-4F52-9EAA-962948BD3230}"/>
-              </a:ext>
-            </a:extLst>
-          </p:cNvPr>
-          <p:cNvSpPr/>
-          <p:nvPr/>
-        </p:nvSpPr>
-        <p:spPr>
-          <a:xfrm>
-            <a:off x="6445624" y="5082987"/>
-            <a:ext cx="5746376" cy="1452283"/>
-          </a:xfrm>
-          <a:prstGeom prst="rect">
-            <a:avLst/>
-          </a:prstGeom>
-          <a:solidFill>
-            <a:schemeClr val="tx1"/>
-          </a:solidFill>
-          <a:ln>
-            <a:noFill/>
-          </a:ln>
-        </p:spPr>
-        <p:style>
-          <a:lnRef idx="2">
-            <a:schemeClr val="accent1">
-              <a:shade val="50000"/>
-            </a:schemeClr>
-          </a:lnRef>
-          <a:fillRef idx="1">
-            <a:schemeClr val="accent1"/>
-          </a:fillRef>
-          <a:effectRef idx="0">
-            <a:schemeClr val="accent1"/>
-          </a:effectRef>
-          <a:fontRef idx="minor">
-            <a:schemeClr val="lt1"/>
-          </a:fontRef>
-        </p:style>
-        <p:txBody>
-          <a:bodyPr rtlCol="0" anchor="ctr"/>
-          <a:lstStyle/>
-          <a:p>
-            <a:r>
-              <a:rPr lang="ja-JP" altLang="en-US" sz="3200" dirty="0"/>
-              <a:t>ご老人にオススメ！</a:t>
-            </a:r>
-            <a:endParaRPr kumimoji="1" lang="ja-JP" altLang="en-US" dirty="0"/>
-          </a:p>
-        </p:txBody>
-      </p:sp>
-      <p:sp>
-        <p:nvSpPr>
-          <p:cNvPr id="12" name="正方形/長方形 11">
-            <a:extLst>
-              <a:ext uri="{FF2B5EF4-FFF2-40B4-BE49-F238E27FC236}">
-                <a16:creationId xmlns:a16="http://schemas.microsoft.com/office/drawing/2014/main" id="{3D4E73F7-676F-4B02-AC4F-CD790D81951D}"/>
-              </a:ext>
-            </a:extLst>
-          </p:cNvPr>
-          <p:cNvSpPr/>
-          <p:nvPr/>
-        </p:nvSpPr>
-        <p:spPr>
-          <a:xfrm>
-            <a:off x="8875058" y="134471"/>
-            <a:ext cx="3209365" cy="699247"/>
-          </a:xfrm>
-          <a:prstGeom prst="rect">
-            <a:avLst/>
-          </a:prstGeom>
-          <a:solidFill>
-            <a:schemeClr val="tx1"/>
-          </a:solidFill>
-          <a:ln>
-            <a:noFill/>
-          </a:ln>
-        </p:spPr>
-        <p:style>
-          <a:lnRef idx="2">
-            <a:schemeClr val="accent1">
-              <a:shade val="50000"/>
-            </a:schemeClr>
-          </a:lnRef>
-          <a:fillRef idx="1">
-            <a:schemeClr val="accent1"/>
-          </a:fillRef>
-          <a:effectRef idx="0">
-            <a:schemeClr val="accent1"/>
-          </a:effectRef>
-          <a:fontRef idx="minor">
-            <a:schemeClr val="lt1"/>
-          </a:fontRef>
-        </p:style>
-        <p:txBody>
-          <a:bodyPr rtlCol="0" anchor="t"/>
-          <a:lstStyle/>
-          <a:p>
-            <a:pPr algn="ctr"/>
-            <a:r>
-              <a:rPr kumimoji="1" lang="ja-JP" altLang="en-US" sz="3200" dirty="0"/>
-              <a:t>ランダムボタン</a:t>
-            </a:r>
+              <a:rPr lang="ja-JP" altLang="en-US" sz="4400" dirty="0"/>
+              <a:t>こだわり検索</a:t>
+            </a:r>
+          </a:p>
+          <a:p>
+            <a:r>
+              <a:rPr lang="ja-JP" altLang="en-US" sz="2800" dirty="0"/>
+              <a:t>選択した麺やスープから店を検索</a:t>
+            </a:r>
+            <a:endParaRPr kumimoji="1" lang="ja-JP" altLang="en-US" sz="2800" dirty="0"/>
           </a:p>
         </p:txBody>
       </p:sp>
     </p:spTree>
     <p:extLst>
       <p:ext uri="{BB962C8B-B14F-4D97-AF65-F5344CB8AC3E}">
-        <p14:creationId xmlns:p14="http://schemas.microsoft.com/office/powerpoint/2010/main" val="2334916440"/>
+        <p14:creationId xmlns:p14="http://schemas.microsoft.com/office/powerpoint/2010/main" val="2540784849"/>
       </p:ext>
     </p:extLst>
   </p:cSld>
@@ -5207,7 +6003,7 @@
         <p:spPr>
           <a:xfrm>
             <a:off x="0" y="0"/>
-            <a:ext cx="8256494" cy="833718"/>
+            <a:ext cx="6096000" cy="833718"/>
           </a:xfrm>
           <a:prstGeom prst="rect">
             <a:avLst/>
@@ -5242,7 +6038,7 @@
             <a:pPr algn="ctr"/>
             <a:r>
               <a:rPr lang="ja-JP" altLang="en-US" sz="4800" dirty="0"/>
-              <a:t>ざっくり検索</a:t>
+              <a:t>最寄り検索</a:t>
             </a:r>
           </a:p>
         </p:txBody>
@@ -5262,7 +6058,7 @@
         <p:spPr>
           <a:xfrm>
             <a:off x="0" y="1281952"/>
-            <a:ext cx="5746376" cy="1452284"/>
+            <a:ext cx="12192000" cy="5169648"/>
           </a:xfrm>
           <a:prstGeom prst="rect">
             <a:avLst/>
@@ -5294,354 +6090,26 @@
           <a:bodyPr rtlCol="0" anchor="ctr"/>
           <a:lstStyle/>
           <a:p>
-            <a:r>
-              <a:rPr kumimoji="1" lang="ja-JP" altLang="en-US" sz="3600" dirty="0"/>
-              <a:t>男子学生にオススメ！</a:t>
-            </a:r>
-          </a:p>
-        </p:txBody>
-      </p:sp>
-      <p:sp>
-        <p:nvSpPr>
-          <p:cNvPr id="6" name="正方形/長方形 5">
-            <a:extLst>
-              <a:ext uri="{FF2B5EF4-FFF2-40B4-BE49-F238E27FC236}">
-                <a16:creationId xmlns:a16="http://schemas.microsoft.com/office/drawing/2014/main" id="{AE8654DD-4C51-4E81-A94E-24AE320FA38B}"/>
-              </a:ext>
-            </a:extLst>
-          </p:cNvPr>
-          <p:cNvSpPr/>
-          <p:nvPr/>
-        </p:nvSpPr>
-        <p:spPr>
-          <a:xfrm>
-            <a:off x="6445624" y="1281953"/>
-            <a:ext cx="5746376" cy="1452283"/>
-          </a:xfrm>
-          <a:prstGeom prst="rect">
-            <a:avLst/>
-          </a:prstGeom>
-          <a:solidFill>
-            <a:schemeClr val="tx1"/>
-          </a:solidFill>
-          <a:ln>
-            <a:noFill/>
-          </a:ln>
-        </p:spPr>
-        <p:style>
-          <a:lnRef idx="2">
-            <a:schemeClr val="accent1">
-              <a:shade val="50000"/>
-            </a:schemeClr>
-          </a:lnRef>
-          <a:fillRef idx="1">
-            <a:schemeClr val="accent1"/>
-          </a:fillRef>
-          <a:effectRef idx="0">
-            <a:schemeClr val="accent1"/>
-          </a:effectRef>
-          <a:fontRef idx="minor">
-            <a:schemeClr val="lt1"/>
-          </a:fontRef>
-        </p:style>
-        <p:txBody>
-          <a:bodyPr rtlCol="0" anchor="ctr"/>
-          <a:lstStyle/>
-          <a:p>
-            <a:r>
-              <a:rPr lang="ja-JP" altLang="en-US" sz="3200" dirty="0"/>
-              <a:t>女大学生にオススメ！</a:t>
-            </a:r>
-            <a:endParaRPr kumimoji="1" lang="ja-JP" altLang="en-US" dirty="0"/>
-          </a:p>
-        </p:txBody>
-      </p:sp>
-      <p:sp>
-        <p:nvSpPr>
-          <p:cNvPr id="8" name="正方形/長方形 7">
-            <a:extLst>
-              <a:ext uri="{FF2B5EF4-FFF2-40B4-BE49-F238E27FC236}">
-                <a16:creationId xmlns:a16="http://schemas.microsoft.com/office/drawing/2014/main" id="{99C4ABAD-803B-4DFC-8ED1-BFA9808F7038}"/>
-              </a:ext>
-            </a:extLst>
-          </p:cNvPr>
-          <p:cNvSpPr/>
-          <p:nvPr/>
-        </p:nvSpPr>
-        <p:spPr>
-          <a:xfrm>
-            <a:off x="0" y="3182469"/>
-            <a:ext cx="5746376" cy="1452284"/>
-          </a:xfrm>
-          <a:prstGeom prst="rect">
-            <a:avLst/>
-          </a:prstGeom>
-          <a:solidFill>
-            <a:schemeClr val="tx1"/>
-          </a:solidFill>
-          <a:ln>
-            <a:noFill/>
-          </a:ln>
-        </p:spPr>
-        <p:style>
-          <a:lnRef idx="2">
-            <a:schemeClr val="accent1">
-              <a:shade val="50000"/>
-            </a:schemeClr>
-          </a:lnRef>
-          <a:fillRef idx="1">
-            <a:schemeClr val="accent1"/>
-          </a:fillRef>
-          <a:effectRef idx="0">
-            <a:schemeClr val="accent1"/>
-          </a:effectRef>
-          <a:fontRef idx="minor">
-            <a:schemeClr val="lt1"/>
-          </a:fontRef>
-        </p:style>
-        <p:txBody>
-          <a:bodyPr rtlCol="0" anchor="ctr"/>
-          <a:lstStyle/>
-          <a:p>
-            <a:r>
-              <a:rPr kumimoji="1" lang="ja-JP" altLang="en-US" sz="3600" dirty="0"/>
-              <a:t>サラリーマンにオススメ！</a:t>
-            </a:r>
-          </a:p>
-        </p:txBody>
-      </p:sp>
-      <p:sp>
-        <p:nvSpPr>
-          <p:cNvPr id="9" name="正方形/長方形 8">
-            <a:extLst>
-              <a:ext uri="{FF2B5EF4-FFF2-40B4-BE49-F238E27FC236}">
-                <a16:creationId xmlns:a16="http://schemas.microsoft.com/office/drawing/2014/main" id="{7AC963F0-19AB-4857-9FC1-C512D4A631C4}"/>
-              </a:ext>
-            </a:extLst>
-          </p:cNvPr>
-          <p:cNvSpPr/>
-          <p:nvPr/>
-        </p:nvSpPr>
-        <p:spPr>
-          <a:xfrm>
-            <a:off x="6445624" y="3182470"/>
-            <a:ext cx="5746376" cy="1452283"/>
-          </a:xfrm>
-          <a:prstGeom prst="rect">
-            <a:avLst/>
-          </a:prstGeom>
-          <a:solidFill>
-            <a:schemeClr val="tx1"/>
-          </a:solidFill>
-          <a:ln>
-            <a:noFill/>
-          </a:ln>
-        </p:spPr>
-        <p:style>
-          <a:lnRef idx="2">
-            <a:schemeClr val="accent1">
-              <a:shade val="50000"/>
-            </a:schemeClr>
-          </a:lnRef>
-          <a:fillRef idx="1">
-            <a:schemeClr val="accent1"/>
-          </a:fillRef>
-          <a:effectRef idx="0">
-            <a:schemeClr val="accent1"/>
-          </a:effectRef>
-          <a:fontRef idx="minor">
-            <a:schemeClr val="lt1"/>
-          </a:fontRef>
-        </p:style>
-        <p:txBody>
-          <a:bodyPr rtlCol="0" anchor="ctr"/>
-          <a:lstStyle/>
-          <a:p>
-            <a:r>
-              <a:rPr lang="en-US" altLang="ja-JP" sz="3200" dirty="0"/>
-              <a:t>OL</a:t>
-            </a:r>
-            <a:r>
-              <a:rPr lang="ja-JP" altLang="en-US" sz="3200" dirty="0"/>
-              <a:t>にオススメ！</a:t>
-            </a:r>
-            <a:endParaRPr kumimoji="1" lang="ja-JP" altLang="en-US" dirty="0"/>
-          </a:p>
-        </p:txBody>
-      </p:sp>
-      <p:sp>
-        <p:nvSpPr>
-          <p:cNvPr id="10" name="正方形/長方形 9">
-            <a:extLst>
-              <a:ext uri="{FF2B5EF4-FFF2-40B4-BE49-F238E27FC236}">
-                <a16:creationId xmlns:a16="http://schemas.microsoft.com/office/drawing/2014/main" id="{515E5F99-28A7-4342-B804-627FFF14F398}"/>
-              </a:ext>
-            </a:extLst>
-          </p:cNvPr>
-          <p:cNvSpPr/>
-          <p:nvPr/>
-        </p:nvSpPr>
-        <p:spPr>
-          <a:xfrm>
-            <a:off x="0" y="5082986"/>
-            <a:ext cx="5746376" cy="1452284"/>
-          </a:xfrm>
-          <a:prstGeom prst="rect">
-            <a:avLst/>
-          </a:prstGeom>
-          <a:solidFill>
-            <a:schemeClr val="tx1"/>
-          </a:solidFill>
-          <a:ln>
-            <a:noFill/>
-          </a:ln>
-        </p:spPr>
-        <p:style>
-          <a:lnRef idx="2">
-            <a:schemeClr val="accent1">
-              <a:shade val="50000"/>
-            </a:schemeClr>
-          </a:lnRef>
-          <a:fillRef idx="1">
-            <a:schemeClr val="accent1"/>
-          </a:fillRef>
-          <a:effectRef idx="0">
-            <a:schemeClr val="accent1"/>
-          </a:effectRef>
-          <a:fontRef idx="minor">
-            <a:schemeClr val="lt1"/>
-          </a:fontRef>
-        </p:style>
-        <p:txBody>
-          <a:bodyPr rtlCol="0" anchor="ctr"/>
-          <a:lstStyle/>
-          <a:p>
-            <a:r>
-              <a:rPr lang="ja-JP" altLang="en-US" sz="3600" dirty="0"/>
-              <a:t>観光客</a:t>
-            </a:r>
-            <a:r>
-              <a:rPr kumimoji="1" lang="ja-JP" altLang="en-US" sz="3600" dirty="0"/>
-              <a:t>にオススメ！</a:t>
-            </a:r>
-          </a:p>
-        </p:txBody>
-      </p:sp>
-      <p:sp>
-        <p:nvSpPr>
-          <p:cNvPr id="11" name="正方形/長方形 10">
-            <a:extLst>
-              <a:ext uri="{FF2B5EF4-FFF2-40B4-BE49-F238E27FC236}">
-                <a16:creationId xmlns:a16="http://schemas.microsoft.com/office/drawing/2014/main" id="{A0078301-8B7C-4F52-9EAA-962948BD3230}"/>
-              </a:ext>
-            </a:extLst>
-          </p:cNvPr>
-          <p:cNvSpPr/>
-          <p:nvPr/>
-        </p:nvSpPr>
-        <p:spPr>
-          <a:xfrm>
-            <a:off x="6445624" y="5082987"/>
-            <a:ext cx="5746376" cy="1452283"/>
-          </a:xfrm>
-          <a:prstGeom prst="rect">
-            <a:avLst/>
-          </a:prstGeom>
-          <a:solidFill>
-            <a:schemeClr val="tx1"/>
-          </a:solidFill>
-          <a:ln>
-            <a:noFill/>
-          </a:ln>
-        </p:spPr>
-        <p:style>
-          <a:lnRef idx="2">
-            <a:schemeClr val="accent1">
-              <a:shade val="50000"/>
-            </a:schemeClr>
-          </a:lnRef>
-          <a:fillRef idx="1">
-            <a:schemeClr val="accent1"/>
-          </a:fillRef>
-          <a:effectRef idx="0">
-            <a:schemeClr val="accent1"/>
-          </a:effectRef>
-          <a:fontRef idx="minor">
-            <a:schemeClr val="lt1"/>
-          </a:fontRef>
-        </p:style>
-        <p:txBody>
-          <a:bodyPr rtlCol="0" anchor="ctr"/>
-          <a:lstStyle/>
-          <a:p>
-            <a:r>
-              <a:rPr lang="ja-JP" altLang="en-US" sz="3200" dirty="0"/>
-              <a:t>ご老人にオススメ！</a:t>
-            </a:r>
-            <a:endParaRPr kumimoji="1" lang="ja-JP" altLang="en-US" dirty="0"/>
-          </a:p>
-        </p:txBody>
-      </p:sp>
-      <p:sp>
-        <p:nvSpPr>
-          <p:cNvPr id="12" name="正方形/長方形 11">
-            <a:extLst>
-              <a:ext uri="{FF2B5EF4-FFF2-40B4-BE49-F238E27FC236}">
-                <a16:creationId xmlns:a16="http://schemas.microsoft.com/office/drawing/2014/main" id="{3D4E73F7-676F-4B02-AC4F-CD790D81951D}"/>
-              </a:ext>
-            </a:extLst>
-          </p:cNvPr>
-          <p:cNvSpPr/>
-          <p:nvPr/>
-        </p:nvSpPr>
-        <p:spPr>
-          <a:xfrm>
-            <a:off x="8875058" y="134471"/>
-            <a:ext cx="3209365" cy="699247"/>
-          </a:xfrm>
-          <a:prstGeom prst="rect">
-            <a:avLst/>
-          </a:prstGeom>
-          <a:solidFill>
-            <a:schemeClr val="tx1"/>
-          </a:solidFill>
-          <a:ln>
-            <a:noFill/>
-          </a:ln>
-        </p:spPr>
-        <p:style>
-          <a:lnRef idx="2">
-            <a:schemeClr val="accent1">
-              <a:shade val="50000"/>
-            </a:schemeClr>
-          </a:lnRef>
-          <a:fillRef idx="1">
-            <a:schemeClr val="accent1"/>
-          </a:fillRef>
-          <a:effectRef idx="0">
-            <a:schemeClr val="accent1"/>
-          </a:effectRef>
-          <a:fontRef idx="minor">
-            <a:schemeClr val="lt1"/>
-          </a:fontRef>
-        </p:style>
-        <p:txBody>
-          <a:bodyPr rtlCol="0" anchor="t"/>
-          <a:lstStyle/>
-          <a:p>
             <a:pPr algn="ctr"/>
             <a:r>
-              <a:rPr lang="ja-JP" altLang="en-US" sz="3200" dirty="0"/>
-              <a:t>おまかせボタン</a:t>
-            </a:r>
-            <a:endParaRPr kumimoji="1" lang="ja-JP" altLang="en-US" sz="3200" dirty="0"/>
+              <a:rPr kumimoji="1" lang="en-US" altLang="ja-JP" sz="4800" dirty="0"/>
+              <a:t>Google Map</a:t>
+            </a:r>
+          </a:p>
+          <a:p>
+            <a:pPr algn="ctr"/>
+            <a:r>
+              <a:rPr lang="ja-JP" altLang="en-US" sz="4800" dirty="0"/>
+              <a:t>検索結果「ラーメン」</a:t>
+            </a:r>
+            <a:endParaRPr kumimoji="1" lang="ja-JP" altLang="en-US" sz="4800" dirty="0"/>
           </a:p>
         </p:txBody>
       </p:sp>
     </p:spTree>
     <p:extLst>
       <p:ext uri="{BB962C8B-B14F-4D97-AF65-F5344CB8AC3E}">
-        <p14:creationId xmlns:p14="http://schemas.microsoft.com/office/powerpoint/2010/main" val="4293510109"/>
+        <p14:creationId xmlns:p14="http://schemas.microsoft.com/office/powerpoint/2010/main" val="332050778"/>
       </p:ext>
     </p:extLst>
   </p:cSld>
@@ -5683,6 +6151,481 @@
         <p:spPr>
           <a:xfrm>
             <a:off x="0" y="0"/>
+            <a:ext cx="8256494" cy="833718"/>
+          </a:xfrm>
+          <a:prstGeom prst="rect">
+            <a:avLst/>
+          </a:prstGeom>
+          <a:solidFill>
+            <a:schemeClr val="tx1"/>
+          </a:solidFill>
+          <a:ln>
+            <a:noFill/>
+          </a:ln>
+        </p:spPr>
+        <p:style>
+          <a:lnRef idx="2">
+            <a:schemeClr val="accent1">
+              <a:shade val="50000"/>
+            </a:schemeClr>
+          </a:lnRef>
+          <a:fillRef idx="1">
+            <a:schemeClr val="accent1"/>
+          </a:fillRef>
+          <a:effectRef idx="0">
+            <a:schemeClr val="accent1"/>
+          </a:effectRef>
+          <a:fontRef idx="minor">
+            <a:schemeClr val="lt1"/>
+          </a:fontRef>
+        </p:style>
+        <p:txBody>
+          <a:bodyPr rtlCol="0" anchor="t"/>
+          <a:lstStyle/>
+          <a:p>
+            <a:pPr algn="ctr"/>
+            <a:r>
+              <a:rPr lang="ja-JP" altLang="en-US" sz="4800" dirty="0"/>
+              <a:t>ざっくり検索</a:t>
+            </a:r>
+          </a:p>
+        </p:txBody>
+      </p:sp>
+      <p:sp>
+        <p:nvSpPr>
+          <p:cNvPr id="5" name="正方形/長方形 4">
+            <a:extLst>
+              <a:ext uri="{FF2B5EF4-FFF2-40B4-BE49-F238E27FC236}">
+                <a16:creationId xmlns:a16="http://schemas.microsoft.com/office/drawing/2014/main" id="{3BA68C7B-4D18-4964-B750-46175EFFB82C}"/>
+              </a:ext>
+            </a:extLst>
+          </p:cNvPr>
+          <p:cNvSpPr/>
+          <p:nvPr/>
+        </p:nvSpPr>
+        <p:spPr>
+          <a:xfrm>
+            <a:off x="0" y="1281952"/>
+            <a:ext cx="5746376" cy="1452284"/>
+          </a:xfrm>
+          <a:prstGeom prst="rect">
+            <a:avLst/>
+          </a:prstGeom>
+          <a:solidFill>
+            <a:schemeClr val="tx1"/>
+          </a:solidFill>
+          <a:ln>
+            <a:noFill/>
+          </a:ln>
+        </p:spPr>
+        <p:style>
+          <a:lnRef idx="2">
+            <a:schemeClr val="accent1">
+              <a:shade val="50000"/>
+            </a:schemeClr>
+          </a:lnRef>
+          <a:fillRef idx="1">
+            <a:schemeClr val="accent1"/>
+          </a:fillRef>
+          <a:effectRef idx="0">
+            <a:schemeClr val="accent1"/>
+          </a:effectRef>
+          <a:fontRef idx="minor">
+            <a:schemeClr val="lt1"/>
+          </a:fontRef>
+        </p:style>
+        <p:txBody>
+          <a:bodyPr rtlCol="0" anchor="ctr"/>
+          <a:lstStyle/>
+          <a:p>
+            <a:r>
+              <a:rPr kumimoji="1" lang="ja-JP" altLang="en-US" sz="3600" dirty="0"/>
+              <a:t>男子学生にオススメ！</a:t>
+            </a:r>
+          </a:p>
+        </p:txBody>
+      </p:sp>
+      <p:sp>
+        <p:nvSpPr>
+          <p:cNvPr id="6" name="正方形/長方形 5">
+            <a:extLst>
+              <a:ext uri="{FF2B5EF4-FFF2-40B4-BE49-F238E27FC236}">
+                <a16:creationId xmlns:a16="http://schemas.microsoft.com/office/drawing/2014/main" id="{AE8654DD-4C51-4E81-A94E-24AE320FA38B}"/>
+              </a:ext>
+            </a:extLst>
+          </p:cNvPr>
+          <p:cNvSpPr/>
+          <p:nvPr/>
+        </p:nvSpPr>
+        <p:spPr>
+          <a:xfrm>
+            <a:off x="6445624" y="1281953"/>
+            <a:ext cx="5746376" cy="1452283"/>
+          </a:xfrm>
+          <a:prstGeom prst="rect">
+            <a:avLst/>
+          </a:prstGeom>
+          <a:solidFill>
+            <a:schemeClr val="tx1"/>
+          </a:solidFill>
+          <a:ln>
+            <a:noFill/>
+          </a:ln>
+        </p:spPr>
+        <p:style>
+          <a:lnRef idx="2">
+            <a:schemeClr val="accent1">
+              <a:shade val="50000"/>
+            </a:schemeClr>
+          </a:lnRef>
+          <a:fillRef idx="1">
+            <a:schemeClr val="accent1"/>
+          </a:fillRef>
+          <a:effectRef idx="0">
+            <a:schemeClr val="accent1"/>
+          </a:effectRef>
+          <a:fontRef idx="minor">
+            <a:schemeClr val="lt1"/>
+          </a:fontRef>
+        </p:style>
+        <p:txBody>
+          <a:bodyPr rtlCol="0" anchor="ctr"/>
+          <a:lstStyle/>
+          <a:p>
+            <a:r>
+              <a:rPr lang="ja-JP" altLang="en-US" sz="3200" dirty="0"/>
+              <a:t>女大学生にオススメ！</a:t>
+            </a:r>
+            <a:endParaRPr kumimoji="1" lang="ja-JP" altLang="en-US" dirty="0"/>
+          </a:p>
+        </p:txBody>
+      </p:sp>
+      <p:sp>
+        <p:nvSpPr>
+          <p:cNvPr id="8" name="正方形/長方形 7">
+            <a:extLst>
+              <a:ext uri="{FF2B5EF4-FFF2-40B4-BE49-F238E27FC236}">
+                <a16:creationId xmlns:a16="http://schemas.microsoft.com/office/drawing/2014/main" id="{99C4ABAD-803B-4DFC-8ED1-BFA9808F7038}"/>
+              </a:ext>
+            </a:extLst>
+          </p:cNvPr>
+          <p:cNvSpPr/>
+          <p:nvPr/>
+        </p:nvSpPr>
+        <p:spPr>
+          <a:xfrm>
+            <a:off x="0" y="3182469"/>
+            <a:ext cx="5746376" cy="1452284"/>
+          </a:xfrm>
+          <a:prstGeom prst="rect">
+            <a:avLst/>
+          </a:prstGeom>
+          <a:solidFill>
+            <a:schemeClr val="tx1"/>
+          </a:solidFill>
+          <a:ln>
+            <a:noFill/>
+          </a:ln>
+        </p:spPr>
+        <p:style>
+          <a:lnRef idx="2">
+            <a:schemeClr val="accent1">
+              <a:shade val="50000"/>
+            </a:schemeClr>
+          </a:lnRef>
+          <a:fillRef idx="1">
+            <a:schemeClr val="accent1"/>
+          </a:fillRef>
+          <a:effectRef idx="0">
+            <a:schemeClr val="accent1"/>
+          </a:effectRef>
+          <a:fontRef idx="minor">
+            <a:schemeClr val="lt1"/>
+          </a:fontRef>
+        </p:style>
+        <p:txBody>
+          <a:bodyPr rtlCol="0" anchor="ctr"/>
+          <a:lstStyle/>
+          <a:p>
+            <a:r>
+              <a:rPr kumimoji="1" lang="ja-JP" altLang="en-US" sz="3600" dirty="0"/>
+              <a:t>サラリーマンにオススメ！</a:t>
+            </a:r>
+          </a:p>
+        </p:txBody>
+      </p:sp>
+      <p:sp>
+        <p:nvSpPr>
+          <p:cNvPr id="9" name="正方形/長方形 8">
+            <a:extLst>
+              <a:ext uri="{FF2B5EF4-FFF2-40B4-BE49-F238E27FC236}">
+                <a16:creationId xmlns:a16="http://schemas.microsoft.com/office/drawing/2014/main" id="{7AC963F0-19AB-4857-9FC1-C512D4A631C4}"/>
+              </a:ext>
+            </a:extLst>
+          </p:cNvPr>
+          <p:cNvSpPr/>
+          <p:nvPr/>
+        </p:nvSpPr>
+        <p:spPr>
+          <a:xfrm>
+            <a:off x="6445624" y="3182470"/>
+            <a:ext cx="5746376" cy="1452283"/>
+          </a:xfrm>
+          <a:prstGeom prst="rect">
+            <a:avLst/>
+          </a:prstGeom>
+          <a:solidFill>
+            <a:schemeClr val="tx1"/>
+          </a:solidFill>
+          <a:ln>
+            <a:noFill/>
+          </a:ln>
+        </p:spPr>
+        <p:style>
+          <a:lnRef idx="2">
+            <a:schemeClr val="accent1">
+              <a:shade val="50000"/>
+            </a:schemeClr>
+          </a:lnRef>
+          <a:fillRef idx="1">
+            <a:schemeClr val="accent1"/>
+          </a:fillRef>
+          <a:effectRef idx="0">
+            <a:schemeClr val="accent1"/>
+          </a:effectRef>
+          <a:fontRef idx="minor">
+            <a:schemeClr val="lt1"/>
+          </a:fontRef>
+        </p:style>
+        <p:txBody>
+          <a:bodyPr rtlCol="0" anchor="ctr"/>
+          <a:lstStyle/>
+          <a:p>
+            <a:r>
+              <a:rPr lang="en-US" altLang="ja-JP" sz="3200" dirty="0"/>
+              <a:t>OL</a:t>
+            </a:r>
+            <a:r>
+              <a:rPr lang="ja-JP" altLang="en-US" sz="3200" dirty="0"/>
+              <a:t>にオススメ！</a:t>
+            </a:r>
+            <a:endParaRPr kumimoji="1" lang="ja-JP" altLang="en-US" dirty="0"/>
+          </a:p>
+        </p:txBody>
+      </p:sp>
+      <p:sp>
+        <p:nvSpPr>
+          <p:cNvPr id="10" name="正方形/長方形 9">
+            <a:extLst>
+              <a:ext uri="{FF2B5EF4-FFF2-40B4-BE49-F238E27FC236}">
+                <a16:creationId xmlns:a16="http://schemas.microsoft.com/office/drawing/2014/main" id="{515E5F99-28A7-4342-B804-627FFF14F398}"/>
+              </a:ext>
+            </a:extLst>
+          </p:cNvPr>
+          <p:cNvSpPr/>
+          <p:nvPr/>
+        </p:nvSpPr>
+        <p:spPr>
+          <a:xfrm>
+            <a:off x="0" y="5082986"/>
+            <a:ext cx="5746376" cy="1452284"/>
+          </a:xfrm>
+          <a:prstGeom prst="rect">
+            <a:avLst/>
+          </a:prstGeom>
+          <a:solidFill>
+            <a:schemeClr val="tx1"/>
+          </a:solidFill>
+          <a:ln>
+            <a:noFill/>
+          </a:ln>
+        </p:spPr>
+        <p:style>
+          <a:lnRef idx="2">
+            <a:schemeClr val="accent1">
+              <a:shade val="50000"/>
+            </a:schemeClr>
+          </a:lnRef>
+          <a:fillRef idx="1">
+            <a:schemeClr val="accent1"/>
+          </a:fillRef>
+          <a:effectRef idx="0">
+            <a:schemeClr val="accent1"/>
+          </a:effectRef>
+          <a:fontRef idx="minor">
+            <a:schemeClr val="lt1"/>
+          </a:fontRef>
+        </p:style>
+        <p:txBody>
+          <a:bodyPr rtlCol="0" anchor="ctr"/>
+          <a:lstStyle/>
+          <a:p>
+            <a:r>
+              <a:rPr lang="ja-JP" altLang="en-US" sz="3600" dirty="0"/>
+              <a:t>観光客</a:t>
+            </a:r>
+            <a:r>
+              <a:rPr kumimoji="1" lang="ja-JP" altLang="en-US" sz="3600" dirty="0"/>
+              <a:t>にオススメ！</a:t>
+            </a:r>
+          </a:p>
+        </p:txBody>
+      </p:sp>
+      <p:sp>
+        <p:nvSpPr>
+          <p:cNvPr id="11" name="正方形/長方形 10">
+            <a:extLst>
+              <a:ext uri="{FF2B5EF4-FFF2-40B4-BE49-F238E27FC236}">
+                <a16:creationId xmlns:a16="http://schemas.microsoft.com/office/drawing/2014/main" id="{A0078301-8B7C-4F52-9EAA-962948BD3230}"/>
+              </a:ext>
+            </a:extLst>
+          </p:cNvPr>
+          <p:cNvSpPr/>
+          <p:nvPr/>
+        </p:nvSpPr>
+        <p:spPr>
+          <a:xfrm>
+            <a:off x="6445624" y="5082987"/>
+            <a:ext cx="5746376" cy="1452283"/>
+          </a:xfrm>
+          <a:prstGeom prst="rect">
+            <a:avLst/>
+          </a:prstGeom>
+          <a:solidFill>
+            <a:schemeClr val="tx1"/>
+          </a:solidFill>
+          <a:ln>
+            <a:noFill/>
+          </a:ln>
+        </p:spPr>
+        <p:style>
+          <a:lnRef idx="2">
+            <a:schemeClr val="accent1">
+              <a:shade val="50000"/>
+            </a:schemeClr>
+          </a:lnRef>
+          <a:fillRef idx="1">
+            <a:schemeClr val="accent1"/>
+          </a:fillRef>
+          <a:effectRef idx="0">
+            <a:schemeClr val="accent1"/>
+          </a:effectRef>
+          <a:fontRef idx="minor">
+            <a:schemeClr val="lt1"/>
+          </a:fontRef>
+        </p:style>
+        <p:txBody>
+          <a:bodyPr rtlCol="0" anchor="ctr"/>
+          <a:lstStyle/>
+          <a:p>
+            <a:r>
+              <a:rPr lang="ja-JP" altLang="en-US" sz="3200" dirty="0"/>
+              <a:t>ご老人にオススメ！</a:t>
+            </a:r>
+            <a:endParaRPr kumimoji="1" lang="ja-JP" altLang="en-US" dirty="0"/>
+          </a:p>
+        </p:txBody>
+      </p:sp>
+      <p:sp>
+        <p:nvSpPr>
+          <p:cNvPr id="12" name="正方形/長方形 11">
+            <a:extLst>
+              <a:ext uri="{FF2B5EF4-FFF2-40B4-BE49-F238E27FC236}">
+                <a16:creationId xmlns:a16="http://schemas.microsoft.com/office/drawing/2014/main" id="{3D4E73F7-676F-4B02-AC4F-CD790D81951D}"/>
+              </a:ext>
+            </a:extLst>
+          </p:cNvPr>
+          <p:cNvSpPr/>
+          <p:nvPr/>
+        </p:nvSpPr>
+        <p:spPr>
+          <a:xfrm>
+            <a:off x="8875058" y="134471"/>
+            <a:ext cx="3209365" cy="699247"/>
+          </a:xfrm>
+          <a:prstGeom prst="rect">
+            <a:avLst/>
+          </a:prstGeom>
+          <a:solidFill>
+            <a:schemeClr val="tx1"/>
+          </a:solidFill>
+          <a:ln>
+            <a:noFill/>
+          </a:ln>
+        </p:spPr>
+        <p:style>
+          <a:lnRef idx="2">
+            <a:schemeClr val="accent1">
+              <a:shade val="50000"/>
+            </a:schemeClr>
+          </a:lnRef>
+          <a:fillRef idx="1">
+            <a:schemeClr val="accent1"/>
+          </a:fillRef>
+          <a:effectRef idx="0">
+            <a:schemeClr val="accent1"/>
+          </a:effectRef>
+          <a:fontRef idx="minor">
+            <a:schemeClr val="lt1"/>
+          </a:fontRef>
+        </p:style>
+        <p:txBody>
+          <a:bodyPr rtlCol="0" anchor="t"/>
+          <a:lstStyle/>
+          <a:p>
+            <a:pPr algn="ctr"/>
+            <a:r>
+              <a:rPr kumimoji="1" lang="ja-JP" altLang="en-US" sz="3200" dirty="0"/>
+              <a:t>ランダムボタン</a:t>
+            </a:r>
+          </a:p>
+        </p:txBody>
+      </p:sp>
+    </p:spTree>
+    <p:extLst>
+      <p:ext uri="{BB962C8B-B14F-4D97-AF65-F5344CB8AC3E}">
+        <p14:creationId xmlns:p14="http://schemas.microsoft.com/office/powerpoint/2010/main" val="2334916440"/>
+      </p:ext>
+    </p:extLst>
+  </p:cSld>
+  <p:clrMapOvr>
+    <a:masterClrMapping/>
+  </p:clrMapOvr>
+</p:sld>
+</file>
+
+<file path=ppt/slides/slide7.xml><?xml version="1.0" encoding="utf-8"?>
+<p:sld xmlns:a="http://schemas.openxmlformats.org/drawingml/2006/main" xmlns:r="http://schemas.openxmlformats.org/officeDocument/2006/relationships" xmlns:p="http://schemas.openxmlformats.org/presentationml/2006/main">
+  <p:cSld>
+    <p:spTree>
+      <p:nvGrpSpPr>
+        <p:cNvPr id="1" name=""/>
+        <p:cNvGrpSpPr/>
+        <p:nvPr/>
+      </p:nvGrpSpPr>
+      <p:grpSpPr>
+        <a:xfrm>
+          <a:off x="0" y="0"/>
+          <a:ext cx="0" cy="0"/>
+          <a:chOff x="0" y="0"/>
+          <a:chExt cx="0" cy="0"/>
+        </a:xfrm>
+      </p:grpSpPr>
+      <p:sp>
+        <p:nvSpPr>
+          <p:cNvPr id="4" name="正方形/長方形 3">
+            <a:extLst>
+              <a:ext uri="{FF2B5EF4-FFF2-40B4-BE49-F238E27FC236}">
+                <a16:creationId xmlns:a16="http://schemas.microsoft.com/office/drawing/2014/main" id="{0A0AC1C4-A5BE-4FA6-8C6B-172977969E01}"/>
+              </a:ext>
+            </a:extLst>
+          </p:cNvPr>
+          <p:cNvSpPr/>
+          <p:nvPr/>
+        </p:nvSpPr>
+        <p:spPr>
+          <a:xfrm>
+            <a:off x="0" y="0"/>
             <a:ext cx="5746376" cy="833718"/>
           </a:xfrm>
           <a:prstGeom prst="rect">
@@ -7346,7 +8289,7 @@
 </p:sld>
 </file>
 
-<file path=ppt/slides/slide7.xml><?xml version="1.0" encoding="utf-8"?>
+<file path=ppt/slides/slide8.xml><?xml version="1.0" encoding="utf-8"?>
 <p:sld xmlns:a="http://schemas.openxmlformats.org/drawingml/2006/main" xmlns:r="http://schemas.openxmlformats.org/officeDocument/2006/relationships" xmlns:p="http://schemas.openxmlformats.org/presentationml/2006/main">
   <p:cSld>
     <p:spTree>
@@ -10075,7 +11018,7 @@
 </p:sld>
 </file>
 
-<file path=ppt/slides/slide8.xml><?xml version="1.0" encoding="utf-8"?>
+<file path=ppt/slides/slide9.xml><?xml version="1.0" encoding="utf-8"?>
 <p:sld xmlns:a="http://schemas.openxmlformats.org/drawingml/2006/main" xmlns:r="http://schemas.openxmlformats.org/officeDocument/2006/relationships" xmlns:p="http://schemas.openxmlformats.org/presentationml/2006/main">
   <p:cSld>
     <p:spTree>
@@ -10162,7 +11105,7 @@
         <p:spPr>
           <a:xfrm>
             <a:off x="0" y="1281952"/>
-            <a:ext cx="5746376" cy="833718"/>
+            <a:ext cx="3937000" cy="833718"/>
           </a:xfrm>
           <a:prstGeom prst="rect">
             <a:avLst/>
@@ -10448,8 +11391,8 @@
         </p:nvSpPr>
         <p:spPr>
           <a:xfrm>
-            <a:off x="6096000" y="1281952"/>
-            <a:ext cx="6096000" cy="833718"/>
+            <a:off x="4229100" y="1281952"/>
+            <a:ext cx="7962900" cy="833718"/>
           </a:xfrm>
           <a:prstGeom prst="rect">
             <a:avLst/>
@@ -10486,6 +11429,69 @@
               <a:t>店舗情報</a:t>
             </a:r>
             <a:endParaRPr kumimoji="1" lang="ja-JP" altLang="en-US" sz="3600" dirty="0"/>
+          </a:p>
+        </p:txBody>
+      </p:sp>
+      <p:sp>
+        <p:nvSpPr>
+          <p:cNvPr id="12" name="正方形/長方形 11">
+            <a:extLst>
+              <a:ext uri="{FF2B5EF4-FFF2-40B4-BE49-F238E27FC236}">
+                <a16:creationId xmlns:a16="http://schemas.microsoft.com/office/drawing/2014/main" id="{935A4410-9561-48E8-8CD8-0F7521B83C15}"/>
+              </a:ext>
+            </a:extLst>
+          </p:cNvPr>
+          <p:cNvSpPr/>
+          <p:nvPr/>
+        </p:nvSpPr>
+        <p:spPr>
+          <a:xfrm>
+            <a:off x="4814046" y="0"/>
+            <a:ext cx="7377953" cy="833718"/>
+          </a:xfrm>
+          <a:prstGeom prst="rect">
+            <a:avLst/>
+          </a:prstGeom>
+          <a:solidFill>
+            <a:schemeClr val="tx1"/>
+          </a:solidFill>
+          <a:ln>
+            <a:noFill/>
+          </a:ln>
+        </p:spPr>
+        <p:style>
+          <a:lnRef idx="2">
+            <a:schemeClr val="accent1">
+              <a:shade val="50000"/>
+            </a:schemeClr>
+          </a:lnRef>
+          <a:fillRef idx="1">
+            <a:schemeClr val="accent1"/>
+          </a:fillRef>
+          <a:effectRef idx="0">
+            <a:schemeClr val="accent1"/>
+          </a:effectRef>
+          <a:fontRef idx="minor">
+            <a:schemeClr val="lt1"/>
+          </a:fontRef>
+        </p:style>
+        <p:txBody>
+          <a:bodyPr rtlCol="0" anchor="t"/>
+          <a:lstStyle/>
+          <a:p>
+            <a:pPr algn="ctr"/>
+            <a:r>
+              <a:rPr lang="ja-JP" altLang="en-US" sz="2400" dirty="0"/>
+              <a:t>〇〇にオススメ！ページでは</a:t>
+            </a:r>
+            <a:endParaRPr lang="en-US" altLang="ja-JP" sz="2400" dirty="0"/>
+          </a:p>
+          <a:p>
+            <a:pPr algn="ctr"/>
+            <a:r>
+              <a:rPr lang="ja-JP" altLang="en-US" sz="2400" dirty="0"/>
+              <a:t>下記レイアウトが列挙される。</a:t>
+            </a:r>
           </a:p>
         </p:txBody>
       </p:sp>
